--- a/Figures/figure_transcript_assembly/figure_transcript_assembly.pptx
+++ b/Figures/figure_transcript_assembly/figure_transcript_assembly.pptx
@@ -2,7 +2,7 @@
 <file path=ppt/presentation.xml><?xml version="1.0" encoding="utf-8"?>
 <p:presentation xmlns:a="http://schemas.openxmlformats.org/drawingml/2006/main" xmlns:r="http://schemas.openxmlformats.org/officeDocument/2006/relationships" xmlns:p="http://schemas.openxmlformats.org/presentationml/2006/main" saveSubsetFonts="1" autoCompressPictures="0">
   <p:sldMasterIdLst>
-    <p:sldMasterId id="2147483672" r:id="rId1"/>
+    <p:sldMasterId id="2147483720" r:id="rId1"/>
   </p:sldMasterIdLst>
   <p:notesMasterIdLst>
     <p:notesMasterId r:id="rId3"/>
@@ -10,7 +10,7 @@
   <p:sldIdLst>
     <p:sldId id="256" r:id="rId2"/>
   </p:sldIdLst>
-  <p:sldSz cx="43200638" cy="35999738"/>
+  <p:sldSz cx="33840738" cy="46799500"/>
   <p:notesSz cx="6858000" cy="9144000"/>
   <p:defaultTextStyle>
     <a:defPPr>
@@ -197,7 +197,7 @@
           <a:p>
             <a:fld id="{ABD72DE5-B6EE-E147-A976-7400C289695F}" type="datetimeFigureOut">
               <a:rPr lang="en-US" smtClean="0"/>
-              <a:t>5/19/23</a:t>
+              <a:t>7/13/23</a:t>
             </a:fld>
             <a:endParaRPr lang="en-US"/>
           </a:p>
@@ -215,8 +215,8 @@
         </p:nvSpPr>
         <p:spPr>
           <a:xfrm>
-            <a:off x="1577975" y="1143000"/>
-            <a:ext cx="3702050" cy="3086100"/>
+            <a:off x="2312988" y="1143000"/>
+            <a:ext cx="2232025" cy="3086100"/>
           </a:xfrm>
           <a:prstGeom prst="rect">
             <a:avLst/>
@@ -370,8 +370,8 @@
   </p:cSld>
   <p:clrMap bg1="lt1" tx1="dk1" bg2="lt2" tx2="dk2" accent1="accent1" accent2="accent2" accent3="accent3" accent4="accent4" accent5="accent5" accent6="accent6" hlink="hlink" folHlink="folHlink"/>
   <p:notesStyle>
-    <a:lvl1pPr marL="0" algn="l" defTabSz="3455975" rtl="0" eaLnBrk="1" latinLnBrk="0" hangingPunct="1">
-      <a:defRPr sz="4535" kern="1200">
+    <a:lvl1pPr marL="0" algn="l" defTabSz="3616678" rtl="0" eaLnBrk="1" latinLnBrk="0" hangingPunct="1">
+      <a:defRPr sz="4746" kern="1200">
         <a:solidFill>
           <a:schemeClr val="tx1"/>
         </a:solidFill>
@@ -380,8 +380,8 @@
         <a:cs typeface="+mn-cs"/>
       </a:defRPr>
     </a:lvl1pPr>
-    <a:lvl2pPr marL="1727987" algn="l" defTabSz="3455975" rtl="0" eaLnBrk="1" latinLnBrk="0" hangingPunct="1">
-      <a:defRPr sz="4535" kern="1200">
+    <a:lvl2pPr marL="1808338" algn="l" defTabSz="3616678" rtl="0" eaLnBrk="1" latinLnBrk="0" hangingPunct="1">
+      <a:defRPr sz="4746" kern="1200">
         <a:solidFill>
           <a:schemeClr val="tx1"/>
         </a:solidFill>
@@ -390,8 +390,8 @@
         <a:cs typeface="+mn-cs"/>
       </a:defRPr>
     </a:lvl2pPr>
-    <a:lvl3pPr marL="3455975" algn="l" defTabSz="3455975" rtl="0" eaLnBrk="1" latinLnBrk="0" hangingPunct="1">
-      <a:defRPr sz="4535" kern="1200">
+    <a:lvl3pPr marL="3616678" algn="l" defTabSz="3616678" rtl="0" eaLnBrk="1" latinLnBrk="0" hangingPunct="1">
+      <a:defRPr sz="4746" kern="1200">
         <a:solidFill>
           <a:schemeClr val="tx1"/>
         </a:solidFill>
@@ -400,8 +400,8 @@
         <a:cs typeface="+mn-cs"/>
       </a:defRPr>
     </a:lvl3pPr>
-    <a:lvl4pPr marL="5183962" algn="l" defTabSz="3455975" rtl="0" eaLnBrk="1" latinLnBrk="0" hangingPunct="1">
-      <a:defRPr sz="4535" kern="1200">
+    <a:lvl4pPr marL="5425016" algn="l" defTabSz="3616678" rtl="0" eaLnBrk="1" latinLnBrk="0" hangingPunct="1">
+      <a:defRPr sz="4746" kern="1200">
         <a:solidFill>
           <a:schemeClr val="tx1"/>
         </a:solidFill>
@@ -410,8 +410,8 @@
         <a:cs typeface="+mn-cs"/>
       </a:defRPr>
     </a:lvl4pPr>
-    <a:lvl5pPr marL="6911950" algn="l" defTabSz="3455975" rtl="0" eaLnBrk="1" latinLnBrk="0" hangingPunct="1">
-      <a:defRPr sz="4535" kern="1200">
+    <a:lvl5pPr marL="7233356" algn="l" defTabSz="3616678" rtl="0" eaLnBrk="1" latinLnBrk="0" hangingPunct="1">
+      <a:defRPr sz="4746" kern="1200">
         <a:solidFill>
           <a:schemeClr val="tx1"/>
         </a:solidFill>
@@ -420,8 +420,8 @@
         <a:cs typeface="+mn-cs"/>
       </a:defRPr>
     </a:lvl5pPr>
-    <a:lvl6pPr marL="8639937" algn="l" defTabSz="3455975" rtl="0" eaLnBrk="1" latinLnBrk="0" hangingPunct="1">
-      <a:defRPr sz="4535" kern="1200">
+    <a:lvl6pPr marL="9041694" algn="l" defTabSz="3616678" rtl="0" eaLnBrk="1" latinLnBrk="0" hangingPunct="1">
+      <a:defRPr sz="4746" kern="1200">
         <a:solidFill>
           <a:schemeClr val="tx1"/>
         </a:solidFill>
@@ -430,8 +430,8 @@
         <a:cs typeface="+mn-cs"/>
       </a:defRPr>
     </a:lvl6pPr>
-    <a:lvl7pPr marL="10367924" algn="l" defTabSz="3455975" rtl="0" eaLnBrk="1" latinLnBrk="0" hangingPunct="1">
-      <a:defRPr sz="4535" kern="1200">
+    <a:lvl7pPr marL="10850032" algn="l" defTabSz="3616678" rtl="0" eaLnBrk="1" latinLnBrk="0" hangingPunct="1">
+      <a:defRPr sz="4746" kern="1200">
         <a:solidFill>
           <a:schemeClr val="tx1"/>
         </a:solidFill>
@@ -440,8 +440,8 @@
         <a:cs typeface="+mn-cs"/>
       </a:defRPr>
     </a:lvl7pPr>
-    <a:lvl8pPr marL="12095912" algn="l" defTabSz="3455975" rtl="0" eaLnBrk="1" latinLnBrk="0" hangingPunct="1">
-      <a:defRPr sz="4535" kern="1200">
+    <a:lvl8pPr marL="12658372" algn="l" defTabSz="3616678" rtl="0" eaLnBrk="1" latinLnBrk="0" hangingPunct="1">
+      <a:defRPr sz="4746" kern="1200">
         <a:solidFill>
           <a:schemeClr val="tx1"/>
         </a:solidFill>
@@ -450,8 +450,8 @@
         <a:cs typeface="+mn-cs"/>
       </a:defRPr>
     </a:lvl8pPr>
-    <a:lvl9pPr marL="13823899" algn="l" defTabSz="3455975" rtl="0" eaLnBrk="1" latinLnBrk="0" hangingPunct="1">
-      <a:defRPr sz="4535" kern="1200">
+    <a:lvl9pPr marL="14466710" algn="l" defTabSz="3616678" rtl="0" eaLnBrk="1" latinLnBrk="0" hangingPunct="1">
+      <a:defRPr sz="4746" kern="1200">
         <a:solidFill>
           <a:schemeClr val="tx1"/>
         </a:solidFill>
@@ -493,8 +493,8 @@
         </p:nvSpPr>
         <p:spPr>
           <a:xfrm>
-            <a:off x="1577975" y="1143000"/>
-            <a:ext cx="3702050" cy="3086100"/>
+            <a:off x="2312988" y="1143000"/>
+            <a:ext cx="2232025" cy="3086100"/>
           </a:xfrm>
         </p:spPr>
       </p:sp>
@@ -582,15 +582,15 @@
         </p:nvSpPr>
         <p:spPr>
           <a:xfrm>
-            <a:off x="3240048" y="5891626"/>
-            <a:ext cx="36720542" cy="12533242"/>
+            <a:off x="2538056" y="7659088"/>
+            <a:ext cx="28764627" cy="16293159"/>
           </a:xfrm>
         </p:spPr>
         <p:txBody>
           <a:bodyPr anchor="b"/>
           <a:lstStyle>
             <a:lvl1pPr algn="ctr">
-              <a:defRPr sz="28347"/>
+              <a:defRPr sz="22205"/>
             </a:lvl1pPr>
           </a:lstStyle>
           <a:p>
@@ -614,8 +614,8 @@
         </p:nvSpPr>
         <p:spPr>
           <a:xfrm>
-            <a:off x="5400080" y="18908198"/>
-            <a:ext cx="32400479" cy="8691601"/>
+            <a:off x="4230092" y="24580574"/>
+            <a:ext cx="25380554" cy="11299043"/>
           </a:xfrm>
         </p:spPr>
         <p:txBody>
@@ -623,39 +623,39 @@
           <a:lstStyle>
             <a:lvl1pPr marL="0" indent="0" algn="ctr">
               <a:buNone/>
-              <a:defRPr sz="11339"/>
+              <a:defRPr sz="8882"/>
             </a:lvl1pPr>
-            <a:lvl2pPr marL="2160041" indent="0" algn="ctr">
-              <a:buNone/>
-              <a:defRPr sz="9449"/>
+            <a:lvl2pPr marL="1692051" indent="0" algn="ctr">
+              <a:buNone/>
+              <a:defRPr sz="7402"/>
             </a:lvl2pPr>
-            <a:lvl3pPr marL="4320083" indent="0" algn="ctr">
-              <a:buNone/>
-              <a:defRPr sz="8504"/>
+            <a:lvl3pPr marL="3384103" indent="0" algn="ctr">
+              <a:buNone/>
+              <a:defRPr sz="6662"/>
             </a:lvl3pPr>
-            <a:lvl4pPr marL="6480124" indent="0" algn="ctr">
-              <a:buNone/>
-              <a:defRPr sz="7559"/>
+            <a:lvl4pPr marL="5076154" indent="0" algn="ctr">
+              <a:buNone/>
+              <a:defRPr sz="5921"/>
             </a:lvl4pPr>
-            <a:lvl5pPr marL="8640166" indent="0" algn="ctr">
-              <a:buNone/>
-              <a:defRPr sz="7559"/>
+            <a:lvl5pPr marL="6768206" indent="0" algn="ctr">
+              <a:buNone/>
+              <a:defRPr sz="5921"/>
             </a:lvl5pPr>
-            <a:lvl6pPr marL="10800207" indent="0" algn="ctr">
-              <a:buNone/>
-              <a:defRPr sz="7559"/>
+            <a:lvl6pPr marL="8460257" indent="0" algn="ctr">
+              <a:buNone/>
+              <a:defRPr sz="5921"/>
             </a:lvl6pPr>
-            <a:lvl7pPr marL="12960248" indent="0" algn="ctr">
-              <a:buNone/>
-              <a:defRPr sz="7559"/>
+            <a:lvl7pPr marL="10152309" indent="0" algn="ctr">
+              <a:buNone/>
+              <a:defRPr sz="5921"/>
             </a:lvl7pPr>
-            <a:lvl8pPr marL="15120290" indent="0" algn="ctr">
-              <a:buNone/>
-              <a:defRPr sz="7559"/>
+            <a:lvl8pPr marL="11844360" indent="0" algn="ctr">
+              <a:buNone/>
+              <a:defRPr sz="5921"/>
             </a:lvl8pPr>
-            <a:lvl9pPr marL="17280331" indent="0" algn="ctr">
-              <a:buNone/>
-              <a:defRPr sz="7559"/>
+            <a:lvl9pPr marL="13536412" indent="0" algn="ctr">
+              <a:buNone/>
+              <a:defRPr sz="5921"/>
             </a:lvl9pPr>
           </a:lstStyle>
           <a:p>
@@ -684,7 +684,7 @@
           <a:p>
             <a:fld id="{5829EFD3-DAAF-1A4D-98F0-A61E9156FD54}" type="datetimeFigureOut">
               <a:rPr lang="en-US" smtClean="0"/>
-              <a:t>5/19/23</a:t>
+              <a:t>7/13/23</a:t>
             </a:fld>
             <a:endParaRPr lang="en-US"/>
           </a:p>
@@ -735,7 +735,7 @@
     </p:spTree>
     <p:extLst>
       <p:ext uri="{BB962C8B-B14F-4D97-AF65-F5344CB8AC3E}">
-        <p14:creationId xmlns:p14="http://schemas.microsoft.com/office/powerpoint/2010/main" val="2816469058"/>
+        <p14:creationId xmlns:p14="http://schemas.microsoft.com/office/powerpoint/2010/main" val="2552649845"/>
       </p:ext>
     </p:extLst>
   </p:cSld>
@@ -854,7 +854,7 @@
           <a:p>
             <a:fld id="{5829EFD3-DAAF-1A4D-98F0-A61E9156FD54}" type="datetimeFigureOut">
               <a:rPr lang="en-US" smtClean="0"/>
-              <a:t>5/19/23</a:t>
+              <a:t>7/13/23</a:t>
             </a:fld>
             <a:endParaRPr lang="en-US"/>
           </a:p>
@@ -905,7 +905,7 @@
     </p:spTree>
     <p:extLst>
       <p:ext uri="{BB962C8B-B14F-4D97-AF65-F5344CB8AC3E}">
-        <p14:creationId xmlns:p14="http://schemas.microsoft.com/office/powerpoint/2010/main" val="2144699890"/>
+        <p14:creationId xmlns:p14="http://schemas.microsoft.com/office/powerpoint/2010/main" val="99261726"/>
       </p:ext>
     </p:extLst>
   </p:cSld>
@@ -944,8 +944,8 @@
         </p:nvSpPr>
         <p:spPr>
           <a:xfrm>
-            <a:off x="30915459" y="1916653"/>
-            <a:ext cx="9315138" cy="30508114"/>
+            <a:off x="24217280" y="2491640"/>
+            <a:ext cx="7296909" cy="39660413"/>
           </a:xfrm>
         </p:spPr>
         <p:txBody>
@@ -972,8 +972,8 @@
         </p:nvSpPr>
         <p:spPr>
           <a:xfrm>
-            <a:off x="2970046" y="1916653"/>
-            <a:ext cx="27405405" cy="30508114"/>
+            <a:off x="2326553" y="2491640"/>
+            <a:ext cx="21467718" cy="39660413"/>
           </a:xfrm>
         </p:spPr>
         <p:txBody>
@@ -1034,7 +1034,7 @@
           <a:p>
             <a:fld id="{5829EFD3-DAAF-1A4D-98F0-A61E9156FD54}" type="datetimeFigureOut">
               <a:rPr lang="en-US" smtClean="0"/>
-              <a:t>5/19/23</a:t>
+              <a:t>7/13/23</a:t>
             </a:fld>
             <a:endParaRPr lang="en-US"/>
           </a:p>
@@ -1085,7 +1085,7 @@
     </p:spTree>
     <p:extLst>
       <p:ext uri="{BB962C8B-B14F-4D97-AF65-F5344CB8AC3E}">
-        <p14:creationId xmlns:p14="http://schemas.microsoft.com/office/powerpoint/2010/main" val="918261372"/>
+        <p14:creationId xmlns:p14="http://schemas.microsoft.com/office/powerpoint/2010/main" val="3993083500"/>
       </p:ext>
     </p:extLst>
   </p:cSld>
@@ -1204,7 +1204,7 @@
           <a:p>
             <a:fld id="{5829EFD3-DAAF-1A4D-98F0-A61E9156FD54}" type="datetimeFigureOut">
               <a:rPr lang="en-US" smtClean="0"/>
-              <a:t>5/19/23</a:t>
+              <a:t>7/13/23</a:t>
             </a:fld>
             <a:endParaRPr lang="en-US"/>
           </a:p>
@@ -1255,7 +1255,7 @@
     </p:spTree>
     <p:extLst>
       <p:ext uri="{BB962C8B-B14F-4D97-AF65-F5344CB8AC3E}">
-        <p14:creationId xmlns:p14="http://schemas.microsoft.com/office/powerpoint/2010/main" val="246408593"/>
+        <p14:creationId xmlns:p14="http://schemas.microsoft.com/office/powerpoint/2010/main" val="2757679580"/>
       </p:ext>
     </p:extLst>
   </p:cSld>
@@ -1294,15 +1294,15 @@
         </p:nvSpPr>
         <p:spPr>
           <a:xfrm>
-            <a:off x="2947546" y="8974945"/>
-            <a:ext cx="37260550" cy="14974888"/>
+            <a:off x="2308927" y="11667389"/>
+            <a:ext cx="29187637" cy="19467289"/>
           </a:xfrm>
         </p:spPr>
         <p:txBody>
           <a:bodyPr anchor="b"/>
           <a:lstStyle>
             <a:lvl1pPr>
-              <a:defRPr sz="28347"/>
+              <a:defRPr sz="22205"/>
             </a:lvl1pPr>
           </a:lstStyle>
           <a:p>
@@ -1326,8 +1326,8 @@
         </p:nvSpPr>
         <p:spPr>
           <a:xfrm>
-            <a:off x="2947546" y="24091502"/>
-            <a:ext cx="37260550" cy="7874940"/>
+            <a:off x="2308927" y="31318846"/>
+            <a:ext cx="29187637" cy="10237387"/>
           </a:xfrm>
         </p:spPr>
         <p:txBody>
@@ -1335,15 +1335,15 @@
           <a:lstStyle>
             <a:lvl1pPr marL="0" indent="0">
               <a:buNone/>
-              <a:defRPr sz="11339">
+              <a:defRPr sz="8882">
                 <a:solidFill>
                   <a:schemeClr val="tx1"/>
                 </a:solidFill>
               </a:defRPr>
             </a:lvl1pPr>
-            <a:lvl2pPr marL="2160041" indent="0">
-              <a:buNone/>
-              <a:defRPr sz="9449">
+            <a:lvl2pPr marL="1692051" indent="0">
+              <a:buNone/>
+              <a:defRPr sz="7402">
                 <a:solidFill>
                   <a:schemeClr val="tx1">
                     <a:tint val="75000"/>
@@ -1351,9 +1351,9 @@
                 </a:solidFill>
               </a:defRPr>
             </a:lvl2pPr>
-            <a:lvl3pPr marL="4320083" indent="0">
-              <a:buNone/>
-              <a:defRPr sz="8504">
+            <a:lvl3pPr marL="3384103" indent="0">
+              <a:buNone/>
+              <a:defRPr sz="6662">
                 <a:solidFill>
                   <a:schemeClr val="tx1">
                     <a:tint val="75000"/>
@@ -1361,9 +1361,9 @@
                 </a:solidFill>
               </a:defRPr>
             </a:lvl3pPr>
-            <a:lvl4pPr marL="6480124" indent="0">
-              <a:buNone/>
-              <a:defRPr sz="7559">
+            <a:lvl4pPr marL="5076154" indent="0">
+              <a:buNone/>
+              <a:defRPr sz="5921">
                 <a:solidFill>
                   <a:schemeClr val="tx1">
                     <a:tint val="75000"/>
@@ -1371,9 +1371,9 @@
                 </a:solidFill>
               </a:defRPr>
             </a:lvl4pPr>
-            <a:lvl5pPr marL="8640166" indent="0">
-              <a:buNone/>
-              <a:defRPr sz="7559">
+            <a:lvl5pPr marL="6768206" indent="0">
+              <a:buNone/>
+              <a:defRPr sz="5921">
                 <a:solidFill>
                   <a:schemeClr val="tx1">
                     <a:tint val="75000"/>
@@ -1381,9 +1381,9 @@
                 </a:solidFill>
               </a:defRPr>
             </a:lvl5pPr>
-            <a:lvl6pPr marL="10800207" indent="0">
-              <a:buNone/>
-              <a:defRPr sz="7559">
+            <a:lvl6pPr marL="8460257" indent="0">
+              <a:buNone/>
+              <a:defRPr sz="5921">
                 <a:solidFill>
                   <a:schemeClr val="tx1">
                     <a:tint val="75000"/>
@@ -1391,9 +1391,9 @@
                 </a:solidFill>
               </a:defRPr>
             </a:lvl6pPr>
-            <a:lvl7pPr marL="12960248" indent="0">
-              <a:buNone/>
-              <a:defRPr sz="7559">
+            <a:lvl7pPr marL="10152309" indent="0">
+              <a:buNone/>
+              <a:defRPr sz="5921">
                 <a:solidFill>
                   <a:schemeClr val="tx1">
                     <a:tint val="75000"/>
@@ -1401,9 +1401,9 @@
                 </a:solidFill>
               </a:defRPr>
             </a:lvl7pPr>
-            <a:lvl8pPr marL="15120290" indent="0">
-              <a:buNone/>
-              <a:defRPr sz="7559">
+            <a:lvl8pPr marL="11844360" indent="0">
+              <a:buNone/>
+              <a:defRPr sz="5921">
                 <a:solidFill>
                   <a:schemeClr val="tx1">
                     <a:tint val="75000"/>
@@ -1411,9 +1411,9 @@
                 </a:solidFill>
               </a:defRPr>
             </a:lvl8pPr>
-            <a:lvl9pPr marL="17280331" indent="0">
-              <a:buNone/>
-              <a:defRPr sz="7559">
+            <a:lvl9pPr marL="13536412" indent="0">
+              <a:buNone/>
+              <a:defRPr sz="5921">
                 <a:solidFill>
                   <a:schemeClr val="tx1">
                     <a:tint val="75000"/>
@@ -1448,7 +1448,7 @@
           <a:p>
             <a:fld id="{5829EFD3-DAAF-1A4D-98F0-A61E9156FD54}" type="datetimeFigureOut">
               <a:rPr lang="en-US" smtClean="0"/>
-              <a:t>5/19/23</a:t>
+              <a:t>7/13/23</a:t>
             </a:fld>
             <a:endParaRPr lang="en-US"/>
           </a:p>
@@ -1499,7 +1499,7 @@
     </p:spTree>
     <p:extLst>
       <p:ext uri="{BB962C8B-B14F-4D97-AF65-F5344CB8AC3E}">
-        <p14:creationId xmlns:p14="http://schemas.microsoft.com/office/powerpoint/2010/main" val="2305167248"/>
+        <p14:creationId xmlns:p14="http://schemas.microsoft.com/office/powerpoint/2010/main" val="4186532361"/>
       </p:ext>
     </p:extLst>
   </p:cSld>
@@ -1561,8 +1561,8 @@
         </p:nvSpPr>
         <p:spPr>
           <a:xfrm>
-            <a:off x="2970044" y="9583264"/>
-            <a:ext cx="18360271" cy="22841503"/>
+            <a:off x="2326551" y="12458200"/>
+            <a:ext cx="14382314" cy="29693853"/>
           </a:xfrm>
         </p:spPr>
         <p:txBody>
@@ -1618,8 +1618,8 @@
         </p:nvSpPr>
         <p:spPr>
           <a:xfrm>
-            <a:off x="21870323" y="9583264"/>
-            <a:ext cx="18360271" cy="22841503"/>
+            <a:off x="17131873" y="12458200"/>
+            <a:ext cx="14382314" cy="29693853"/>
           </a:xfrm>
         </p:spPr>
         <p:txBody>
@@ -1680,7 +1680,7 @@
           <a:p>
             <a:fld id="{5829EFD3-DAAF-1A4D-98F0-A61E9156FD54}" type="datetimeFigureOut">
               <a:rPr lang="en-US" smtClean="0"/>
-              <a:t>5/19/23</a:t>
+              <a:t>7/13/23</a:t>
             </a:fld>
             <a:endParaRPr lang="en-US"/>
           </a:p>
@@ -1731,7 +1731,7 @@
     </p:spTree>
     <p:extLst>
       <p:ext uri="{BB962C8B-B14F-4D97-AF65-F5344CB8AC3E}">
-        <p14:creationId xmlns:p14="http://schemas.microsoft.com/office/powerpoint/2010/main" val="1378132755"/>
+        <p14:creationId xmlns:p14="http://schemas.microsoft.com/office/powerpoint/2010/main" val="2054170635"/>
       </p:ext>
     </p:extLst>
   </p:cSld>
@@ -1770,8 +1770,8 @@
         </p:nvSpPr>
         <p:spPr>
           <a:xfrm>
-            <a:off x="2975671" y="1916661"/>
-            <a:ext cx="37260550" cy="6958285"/>
+            <a:off x="2330958" y="2491650"/>
+            <a:ext cx="29187637" cy="9045740"/>
           </a:xfrm>
         </p:spPr>
         <p:txBody>
@@ -1798,8 +1798,8 @@
         </p:nvSpPr>
         <p:spPr>
           <a:xfrm>
-            <a:off x="2975675" y="8824938"/>
-            <a:ext cx="18275892" cy="4324966"/>
+            <a:off x="2330962" y="11472381"/>
+            <a:ext cx="14316216" cy="5622437"/>
           </a:xfrm>
         </p:spPr>
         <p:txBody>
@@ -1807,39 +1807,39 @@
           <a:lstStyle>
             <a:lvl1pPr marL="0" indent="0">
               <a:buNone/>
-              <a:defRPr sz="11339" b="1"/>
+              <a:defRPr sz="8882" b="1"/>
             </a:lvl1pPr>
-            <a:lvl2pPr marL="2160041" indent="0">
-              <a:buNone/>
-              <a:defRPr sz="9449" b="1"/>
+            <a:lvl2pPr marL="1692051" indent="0">
+              <a:buNone/>
+              <a:defRPr sz="7402" b="1"/>
             </a:lvl2pPr>
-            <a:lvl3pPr marL="4320083" indent="0">
-              <a:buNone/>
-              <a:defRPr sz="8504" b="1"/>
+            <a:lvl3pPr marL="3384103" indent="0">
+              <a:buNone/>
+              <a:defRPr sz="6662" b="1"/>
             </a:lvl3pPr>
-            <a:lvl4pPr marL="6480124" indent="0">
-              <a:buNone/>
-              <a:defRPr sz="7559" b="1"/>
+            <a:lvl4pPr marL="5076154" indent="0">
+              <a:buNone/>
+              <a:defRPr sz="5921" b="1"/>
             </a:lvl4pPr>
-            <a:lvl5pPr marL="8640166" indent="0">
-              <a:buNone/>
-              <a:defRPr sz="7559" b="1"/>
+            <a:lvl5pPr marL="6768206" indent="0">
+              <a:buNone/>
+              <a:defRPr sz="5921" b="1"/>
             </a:lvl5pPr>
-            <a:lvl6pPr marL="10800207" indent="0">
-              <a:buNone/>
-              <a:defRPr sz="7559" b="1"/>
+            <a:lvl6pPr marL="8460257" indent="0">
+              <a:buNone/>
+              <a:defRPr sz="5921" b="1"/>
             </a:lvl6pPr>
-            <a:lvl7pPr marL="12960248" indent="0">
-              <a:buNone/>
-              <a:defRPr sz="7559" b="1"/>
+            <a:lvl7pPr marL="10152309" indent="0">
+              <a:buNone/>
+              <a:defRPr sz="5921" b="1"/>
             </a:lvl7pPr>
-            <a:lvl8pPr marL="15120290" indent="0">
-              <a:buNone/>
-              <a:defRPr sz="7559" b="1"/>
+            <a:lvl8pPr marL="11844360" indent="0">
+              <a:buNone/>
+              <a:defRPr sz="5921" b="1"/>
             </a:lvl8pPr>
-            <a:lvl9pPr marL="17280331" indent="0">
-              <a:buNone/>
-              <a:defRPr sz="7559" b="1"/>
+            <a:lvl9pPr marL="13536412" indent="0">
+              <a:buNone/>
+              <a:defRPr sz="5921" b="1"/>
             </a:lvl9pPr>
           </a:lstStyle>
           <a:p>
@@ -1863,8 +1863,8 @@
         </p:nvSpPr>
         <p:spPr>
           <a:xfrm>
-            <a:off x="2975675" y="13149904"/>
-            <a:ext cx="18275892" cy="19341529"/>
+            <a:off x="2330962" y="17094818"/>
+            <a:ext cx="14316216" cy="25143901"/>
           </a:xfrm>
         </p:spPr>
         <p:txBody>
@@ -1920,8 +1920,8 @@
         </p:nvSpPr>
         <p:spPr>
           <a:xfrm>
-            <a:off x="21870325" y="8824938"/>
-            <a:ext cx="18365898" cy="4324966"/>
+            <a:off x="17131876" y="11472381"/>
+            <a:ext cx="14386721" cy="5622437"/>
           </a:xfrm>
         </p:spPr>
         <p:txBody>
@@ -1929,39 +1929,39 @@
           <a:lstStyle>
             <a:lvl1pPr marL="0" indent="0">
               <a:buNone/>
-              <a:defRPr sz="11339" b="1"/>
+              <a:defRPr sz="8882" b="1"/>
             </a:lvl1pPr>
-            <a:lvl2pPr marL="2160041" indent="0">
-              <a:buNone/>
-              <a:defRPr sz="9449" b="1"/>
+            <a:lvl2pPr marL="1692051" indent="0">
+              <a:buNone/>
+              <a:defRPr sz="7402" b="1"/>
             </a:lvl2pPr>
-            <a:lvl3pPr marL="4320083" indent="0">
-              <a:buNone/>
-              <a:defRPr sz="8504" b="1"/>
+            <a:lvl3pPr marL="3384103" indent="0">
+              <a:buNone/>
+              <a:defRPr sz="6662" b="1"/>
             </a:lvl3pPr>
-            <a:lvl4pPr marL="6480124" indent="0">
-              <a:buNone/>
-              <a:defRPr sz="7559" b="1"/>
+            <a:lvl4pPr marL="5076154" indent="0">
+              <a:buNone/>
+              <a:defRPr sz="5921" b="1"/>
             </a:lvl4pPr>
-            <a:lvl5pPr marL="8640166" indent="0">
-              <a:buNone/>
-              <a:defRPr sz="7559" b="1"/>
+            <a:lvl5pPr marL="6768206" indent="0">
+              <a:buNone/>
+              <a:defRPr sz="5921" b="1"/>
             </a:lvl5pPr>
-            <a:lvl6pPr marL="10800207" indent="0">
-              <a:buNone/>
-              <a:defRPr sz="7559" b="1"/>
+            <a:lvl6pPr marL="8460257" indent="0">
+              <a:buNone/>
+              <a:defRPr sz="5921" b="1"/>
             </a:lvl6pPr>
-            <a:lvl7pPr marL="12960248" indent="0">
-              <a:buNone/>
-              <a:defRPr sz="7559" b="1"/>
+            <a:lvl7pPr marL="10152309" indent="0">
+              <a:buNone/>
+              <a:defRPr sz="5921" b="1"/>
             </a:lvl7pPr>
-            <a:lvl8pPr marL="15120290" indent="0">
-              <a:buNone/>
-              <a:defRPr sz="7559" b="1"/>
+            <a:lvl8pPr marL="11844360" indent="0">
+              <a:buNone/>
+              <a:defRPr sz="5921" b="1"/>
             </a:lvl8pPr>
-            <a:lvl9pPr marL="17280331" indent="0">
-              <a:buNone/>
-              <a:defRPr sz="7559" b="1"/>
+            <a:lvl9pPr marL="13536412" indent="0">
+              <a:buNone/>
+              <a:defRPr sz="5921" b="1"/>
             </a:lvl9pPr>
           </a:lstStyle>
           <a:p>
@@ -1985,8 +1985,8 @@
         </p:nvSpPr>
         <p:spPr>
           <a:xfrm>
-            <a:off x="21870325" y="13149904"/>
-            <a:ext cx="18365898" cy="19341529"/>
+            <a:off x="17131876" y="17094818"/>
+            <a:ext cx="14386721" cy="25143901"/>
           </a:xfrm>
         </p:spPr>
         <p:txBody>
@@ -2047,7 +2047,7 @@
           <a:p>
             <a:fld id="{5829EFD3-DAAF-1A4D-98F0-A61E9156FD54}" type="datetimeFigureOut">
               <a:rPr lang="en-US" smtClean="0"/>
-              <a:t>5/19/23</a:t>
+              <a:t>7/13/23</a:t>
             </a:fld>
             <a:endParaRPr lang="en-US"/>
           </a:p>
@@ -2098,7 +2098,7 @@
     </p:spTree>
     <p:extLst>
       <p:ext uri="{BB962C8B-B14F-4D97-AF65-F5344CB8AC3E}">
-        <p14:creationId xmlns:p14="http://schemas.microsoft.com/office/powerpoint/2010/main" val="4155956575"/>
+        <p14:creationId xmlns:p14="http://schemas.microsoft.com/office/powerpoint/2010/main" val="3216460392"/>
       </p:ext>
     </p:extLst>
   </p:cSld>
@@ -2165,7 +2165,7 @@
           <a:p>
             <a:fld id="{5829EFD3-DAAF-1A4D-98F0-A61E9156FD54}" type="datetimeFigureOut">
               <a:rPr lang="en-US" smtClean="0"/>
-              <a:t>5/19/23</a:t>
+              <a:t>7/13/23</a:t>
             </a:fld>
             <a:endParaRPr lang="en-US"/>
           </a:p>
@@ -2216,7 +2216,7 @@
     </p:spTree>
     <p:extLst>
       <p:ext uri="{BB962C8B-B14F-4D97-AF65-F5344CB8AC3E}">
-        <p14:creationId xmlns:p14="http://schemas.microsoft.com/office/powerpoint/2010/main" val="1749792177"/>
+        <p14:creationId xmlns:p14="http://schemas.microsoft.com/office/powerpoint/2010/main" val="2233323012"/>
       </p:ext>
     </p:extLst>
   </p:cSld>
@@ -2260,7 +2260,7 @@
           <a:p>
             <a:fld id="{5829EFD3-DAAF-1A4D-98F0-A61E9156FD54}" type="datetimeFigureOut">
               <a:rPr lang="en-US" smtClean="0"/>
-              <a:t>5/19/23</a:t>
+              <a:t>7/13/23</a:t>
             </a:fld>
             <a:endParaRPr lang="en-US"/>
           </a:p>
@@ -2311,7 +2311,7 @@
     </p:spTree>
     <p:extLst>
       <p:ext uri="{BB962C8B-B14F-4D97-AF65-F5344CB8AC3E}">
-        <p14:creationId xmlns:p14="http://schemas.microsoft.com/office/powerpoint/2010/main" val="2832297215"/>
+        <p14:creationId xmlns:p14="http://schemas.microsoft.com/office/powerpoint/2010/main" val="1515998192"/>
       </p:ext>
     </p:extLst>
   </p:cSld>
@@ -2350,15 +2350,15 @@
         </p:nvSpPr>
         <p:spPr>
           <a:xfrm>
-            <a:off x="2975671" y="2399982"/>
-            <a:ext cx="13933330" cy="8399939"/>
+            <a:off x="2330958" y="3119967"/>
+            <a:ext cx="10914519" cy="10919883"/>
           </a:xfrm>
         </p:spPr>
         <p:txBody>
           <a:bodyPr anchor="b"/>
           <a:lstStyle>
             <a:lvl1pPr>
-              <a:defRPr sz="15118"/>
+              <a:defRPr sz="11843"/>
             </a:lvl1pPr>
           </a:lstStyle>
           <a:p>
@@ -2382,39 +2382,39 @@
         </p:nvSpPr>
         <p:spPr>
           <a:xfrm>
-            <a:off x="18365898" y="5183304"/>
-            <a:ext cx="21870323" cy="25583147"/>
+            <a:off x="14386721" y="6738272"/>
+            <a:ext cx="17131874" cy="33257978"/>
           </a:xfrm>
         </p:spPr>
         <p:txBody>
           <a:bodyPr/>
           <a:lstStyle>
             <a:lvl1pPr>
-              <a:defRPr sz="15118"/>
+              <a:defRPr sz="11843"/>
             </a:lvl1pPr>
             <a:lvl2pPr>
-              <a:defRPr sz="13229"/>
+              <a:defRPr sz="10363"/>
             </a:lvl2pPr>
             <a:lvl3pPr>
-              <a:defRPr sz="11339"/>
+              <a:defRPr sz="8882"/>
             </a:lvl3pPr>
             <a:lvl4pPr>
-              <a:defRPr sz="9449"/>
+              <a:defRPr sz="7402"/>
             </a:lvl4pPr>
             <a:lvl5pPr>
-              <a:defRPr sz="9449"/>
+              <a:defRPr sz="7402"/>
             </a:lvl5pPr>
             <a:lvl6pPr>
-              <a:defRPr sz="9449"/>
+              <a:defRPr sz="7402"/>
             </a:lvl6pPr>
             <a:lvl7pPr>
-              <a:defRPr sz="9449"/>
+              <a:defRPr sz="7402"/>
             </a:lvl7pPr>
             <a:lvl8pPr>
-              <a:defRPr sz="9449"/>
+              <a:defRPr sz="7402"/>
             </a:lvl8pPr>
             <a:lvl9pPr>
-              <a:defRPr sz="9449"/>
+              <a:defRPr sz="7402"/>
             </a:lvl9pPr>
           </a:lstStyle>
           <a:p>
@@ -2467,8 +2467,8 @@
         </p:nvSpPr>
         <p:spPr>
           <a:xfrm>
-            <a:off x="2975671" y="10799922"/>
-            <a:ext cx="13933330" cy="20008190"/>
+            <a:off x="2330958" y="14039850"/>
+            <a:ext cx="10914519" cy="26010559"/>
           </a:xfrm>
         </p:spPr>
         <p:txBody>
@@ -2476,39 +2476,39 @@
           <a:lstStyle>
             <a:lvl1pPr marL="0" indent="0">
               <a:buNone/>
-              <a:defRPr sz="7559"/>
+              <a:defRPr sz="5921"/>
             </a:lvl1pPr>
-            <a:lvl2pPr marL="2160041" indent="0">
-              <a:buNone/>
-              <a:defRPr sz="6614"/>
+            <a:lvl2pPr marL="1692051" indent="0">
+              <a:buNone/>
+              <a:defRPr sz="5181"/>
             </a:lvl2pPr>
-            <a:lvl3pPr marL="4320083" indent="0">
-              <a:buNone/>
-              <a:defRPr sz="5669"/>
+            <a:lvl3pPr marL="3384103" indent="0">
+              <a:buNone/>
+              <a:defRPr sz="4441"/>
             </a:lvl3pPr>
-            <a:lvl4pPr marL="6480124" indent="0">
-              <a:buNone/>
-              <a:defRPr sz="4725"/>
+            <a:lvl4pPr marL="5076154" indent="0">
+              <a:buNone/>
+              <a:defRPr sz="3701"/>
             </a:lvl4pPr>
-            <a:lvl5pPr marL="8640166" indent="0">
-              <a:buNone/>
-              <a:defRPr sz="4725"/>
+            <a:lvl5pPr marL="6768206" indent="0">
+              <a:buNone/>
+              <a:defRPr sz="3701"/>
             </a:lvl5pPr>
-            <a:lvl6pPr marL="10800207" indent="0">
-              <a:buNone/>
-              <a:defRPr sz="4725"/>
+            <a:lvl6pPr marL="8460257" indent="0">
+              <a:buNone/>
+              <a:defRPr sz="3701"/>
             </a:lvl6pPr>
-            <a:lvl7pPr marL="12960248" indent="0">
-              <a:buNone/>
-              <a:defRPr sz="4725"/>
+            <a:lvl7pPr marL="10152309" indent="0">
+              <a:buNone/>
+              <a:defRPr sz="3701"/>
             </a:lvl7pPr>
-            <a:lvl8pPr marL="15120290" indent="0">
-              <a:buNone/>
-              <a:defRPr sz="4725"/>
+            <a:lvl8pPr marL="11844360" indent="0">
+              <a:buNone/>
+              <a:defRPr sz="3701"/>
             </a:lvl8pPr>
-            <a:lvl9pPr marL="17280331" indent="0">
-              <a:buNone/>
-              <a:defRPr sz="4725"/>
+            <a:lvl9pPr marL="13536412" indent="0">
+              <a:buNone/>
+              <a:defRPr sz="3701"/>
             </a:lvl9pPr>
           </a:lstStyle>
           <a:p>
@@ -2537,7 +2537,7 @@
           <a:p>
             <a:fld id="{5829EFD3-DAAF-1A4D-98F0-A61E9156FD54}" type="datetimeFigureOut">
               <a:rPr lang="en-US" smtClean="0"/>
-              <a:t>5/19/23</a:t>
+              <a:t>7/13/23</a:t>
             </a:fld>
             <a:endParaRPr lang="en-US"/>
           </a:p>
@@ -2588,7 +2588,7 @@
     </p:spTree>
     <p:extLst>
       <p:ext uri="{BB962C8B-B14F-4D97-AF65-F5344CB8AC3E}">
-        <p14:creationId xmlns:p14="http://schemas.microsoft.com/office/powerpoint/2010/main" val="2273502034"/>
+        <p14:creationId xmlns:p14="http://schemas.microsoft.com/office/powerpoint/2010/main" val="2715928190"/>
       </p:ext>
     </p:extLst>
   </p:cSld>
@@ -2627,15 +2627,15 @@
         </p:nvSpPr>
         <p:spPr>
           <a:xfrm>
-            <a:off x="2975671" y="2399982"/>
-            <a:ext cx="13933330" cy="8399939"/>
+            <a:off x="2330958" y="3119967"/>
+            <a:ext cx="10914519" cy="10919883"/>
           </a:xfrm>
         </p:spPr>
         <p:txBody>
           <a:bodyPr anchor="b"/>
           <a:lstStyle>
             <a:lvl1pPr>
-              <a:defRPr sz="15118"/>
+              <a:defRPr sz="11843"/>
             </a:lvl1pPr>
           </a:lstStyle>
           <a:p>
@@ -2659,8 +2659,8 @@
         </p:nvSpPr>
         <p:spPr>
           <a:xfrm>
-            <a:off x="18365898" y="5183304"/>
-            <a:ext cx="21870323" cy="25583147"/>
+            <a:off x="14386721" y="6738272"/>
+            <a:ext cx="17131874" cy="33257978"/>
           </a:xfrm>
         </p:spPr>
         <p:txBody>
@@ -2668,39 +2668,39 @@
           <a:lstStyle>
             <a:lvl1pPr marL="0" indent="0">
               <a:buNone/>
-              <a:defRPr sz="15118"/>
+              <a:defRPr sz="11843"/>
             </a:lvl1pPr>
-            <a:lvl2pPr marL="2160041" indent="0">
-              <a:buNone/>
-              <a:defRPr sz="13229"/>
+            <a:lvl2pPr marL="1692051" indent="0">
+              <a:buNone/>
+              <a:defRPr sz="10363"/>
             </a:lvl2pPr>
-            <a:lvl3pPr marL="4320083" indent="0">
-              <a:buNone/>
-              <a:defRPr sz="11339"/>
+            <a:lvl3pPr marL="3384103" indent="0">
+              <a:buNone/>
+              <a:defRPr sz="8882"/>
             </a:lvl3pPr>
-            <a:lvl4pPr marL="6480124" indent="0">
-              <a:buNone/>
-              <a:defRPr sz="9449"/>
+            <a:lvl4pPr marL="5076154" indent="0">
+              <a:buNone/>
+              <a:defRPr sz="7402"/>
             </a:lvl4pPr>
-            <a:lvl5pPr marL="8640166" indent="0">
-              <a:buNone/>
-              <a:defRPr sz="9449"/>
+            <a:lvl5pPr marL="6768206" indent="0">
+              <a:buNone/>
+              <a:defRPr sz="7402"/>
             </a:lvl5pPr>
-            <a:lvl6pPr marL="10800207" indent="0">
-              <a:buNone/>
-              <a:defRPr sz="9449"/>
+            <a:lvl6pPr marL="8460257" indent="0">
+              <a:buNone/>
+              <a:defRPr sz="7402"/>
             </a:lvl6pPr>
-            <a:lvl7pPr marL="12960248" indent="0">
-              <a:buNone/>
-              <a:defRPr sz="9449"/>
+            <a:lvl7pPr marL="10152309" indent="0">
+              <a:buNone/>
+              <a:defRPr sz="7402"/>
             </a:lvl7pPr>
-            <a:lvl8pPr marL="15120290" indent="0">
-              <a:buNone/>
-              <a:defRPr sz="9449"/>
+            <a:lvl8pPr marL="11844360" indent="0">
+              <a:buNone/>
+              <a:defRPr sz="7402"/>
             </a:lvl8pPr>
-            <a:lvl9pPr marL="17280331" indent="0">
-              <a:buNone/>
-              <a:defRPr sz="9449"/>
+            <a:lvl9pPr marL="13536412" indent="0">
+              <a:buNone/>
+              <a:defRPr sz="7402"/>
             </a:lvl9pPr>
           </a:lstStyle>
           <a:p>
@@ -2724,8 +2724,8 @@
         </p:nvSpPr>
         <p:spPr>
           <a:xfrm>
-            <a:off x="2975671" y="10799922"/>
-            <a:ext cx="13933330" cy="20008190"/>
+            <a:off x="2330958" y="14039850"/>
+            <a:ext cx="10914519" cy="26010559"/>
           </a:xfrm>
         </p:spPr>
         <p:txBody>
@@ -2733,39 +2733,39 @@
           <a:lstStyle>
             <a:lvl1pPr marL="0" indent="0">
               <a:buNone/>
-              <a:defRPr sz="7559"/>
+              <a:defRPr sz="5921"/>
             </a:lvl1pPr>
-            <a:lvl2pPr marL="2160041" indent="0">
-              <a:buNone/>
-              <a:defRPr sz="6614"/>
+            <a:lvl2pPr marL="1692051" indent="0">
+              <a:buNone/>
+              <a:defRPr sz="5181"/>
             </a:lvl2pPr>
-            <a:lvl3pPr marL="4320083" indent="0">
-              <a:buNone/>
-              <a:defRPr sz="5669"/>
+            <a:lvl3pPr marL="3384103" indent="0">
+              <a:buNone/>
+              <a:defRPr sz="4441"/>
             </a:lvl3pPr>
-            <a:lvl4pPr marL="6480124" indent="0">
-              <a:buNone/>
-              <a:defRPr sz="4725"/>
+            <a:lvl4pPr marL="5076154" indent="0">
+              <a:buNone/>
+              <a:defRPr sz="3701"/>
             </a:lvl4pPr>
-            <a:lvl5pPr marL="8640166" indent="0">
-              <a:buNone/>
-              <a:defRPr sz="4725"/>
+            <a:lvl5pPr marL="6768206" indent="0">
+              <a:buNone/>
+              <a:defRPr sz="3701"/>
             </a:lvl5pPr>
-            <a:lvl6pPr marL="10800207" indent="0">
-              <a:buNone/>
-              <a:defRPr sz="4725"/>
+            <a:lvl6pPr marL="8460257" indent="0">
+              <a:buNone/>
+              <a:defRPr sz="3701"/>
             </a:lvl6pPr>
-            <a:lvl7pPr marL="12960248" indent="0">
-              <a:buNone/>
-              <a:defRPr sz="4725"/>
+            <a:lvl7pPr marL="10152309" indent="0">
+              <a:buNone/>
+              <a:defRPr sz="3701"/>
             </a:lvl7pPr>
-            <a:lvl8pPr marL="15120290" indent="0">
-              <a:buNone/>
-              <a:defRPr sz="4725"/>
+            <a:lvl8pPr marL="11844360" indent="0">
+              <a:buNone/>
+              <a:defRPr sz="3701"/>
             </a:lvl8pPr>
-            <a:lvl9pPr marL="17280331" indent="0">
-              <a:buNone/>
-              <a:defRPr sz="4725"/>
+            <a:lvl9pPr marL="13536412" indent="0">
+              <a:buNone/>
+              <a:defRPr sz="3701"/>
             </a:lvl9pPr>
           </a:lstStyle>
           <a:p>
@@ -2794,7 +2794,7 @@
           <a:p>
             <a:fld id="{5829EFD3-DAAF-1A4D-98F0-A61E9156FD54}" type="datetimeFigureOut">
               <a:rPr lang="en-US" smtClean="0"/>
-              <a:t>5/19/23</a:t>
+              <a:t>7/13/23</a:t>
             </a:fld>
             <a:endParaRPr lang="en-US"/>
           </a:p>
@@ -2845,7 +2845,7 @@
     </p:spTree>
     <p:extLst>
       <p:ext uri="{BB962C8B-B14F-4D97-AF65-F5344CB8AC3E}">
-        <p14:creationId xmlns:p14="http://schemas.microsoft.com/office/powerpoint/2010/main" val="204651182"/>
+        <p14:creationId xmlns:p14="http://schemas.microsoft.com/office/powerpoint/2010/main" val="2772479611"/>
       </p:ext>
     </p:extLst>
   </p:cSld>
@@ -2889,8 +2889,8 @@
         </p:nvSpPr>
         <p:spPr>
           <a:xfrm>
-            <a:off x="2970044" y="1916661"/>
-            <a:ext cx="37260550" cy="6958285"/>
+            <a:off x="2326551" y="2491650"/>
+            <a:ext cx="29187637" cy="9045740"/>
           </a:xfrm>
           <a:prstGeom prst="rect">
             <a:avLst/>
@@ -2922,8 +2922,8 @@
         </p:nvSpPr>
         <p:spPr>
           <a:xfrm>
-            <a:off x="2970044" y="9583264"/>
-            <a:ext cx="37260550" cy="22841503"/>
+            <a:off x="2326551" y="12458200"/>
+            <a:ext cx="29187637" cy="29693853"/>
           </a:xfrm>
           <a:prstGeom prst="rect">
             <a:avLst/>
@@ -2984,8 +2984,8 @@
         </p:nvSpPr>
         <p:spPr>
           <a:xfrm>
-            <a:off x="2970044" y="33366432"/>
-            <a:ext cx="9720144" cy="1916653"/>
+            <a:off x="2326551" y="43376214"/>
+            <a:ext cx="7614166" cy="2491640"/>
           </a:xfrm>
           <a:prstGeom prst="rect">
             <a:avLst/>
@@ -2995,7 +2995,7 @@
           <a:bodyPr vert="horz" lIns="91440" tIns="45720" rIns="91440" bIns="45720" rtlCol="0" anchor="ctr"/>
           <a:lstStyle>
             <a:lvl1pPr algn="l">
-              <a:defRPr sz="5669">
+              <a:defRPr sz="4441">
                 <a:solidFill>
                   <a:schemeClr val="tx1">
                     <a:tint val="75000"/>
@@ -3007,7 +3007,7 @@
           <a:p>
             <a:fld id="{5829EFD3-DAAF-1A4D-98F0-A61E9156FD54}" type="datetimeFigureOut">
               <a:rPr lang="en-US" smtClean="0"/>
-              <a:t>5/19/23</a:t>
+              <a:t>7/13/23</a:t>
             </a:fld>
             <a:endParaRPr lang="en-US"/>
           </a:p>
@@ -3025,8 +3025,8 @@
         </p:nvSpPr>
         <p:spPr>
           <a:xfrm>
-            <a:off x="14310212" y="33366432"/>
-            <a:ext cx="14580215" cy="1916653"/>
+            <a:off x="11209745" y="43376214"/>
+            <a:ext cx="11421249" cy="2491640"/>
           </a:xfrm>
           <a:prstGeom prst="rect">
             <a:avLst/>
@@ -3036,7 +3036,7 @@
           <a:bodyPr vert="horz" lIns="91440" tIns="45720" rIns="91440" bIns="45720" rtlCol="0" anchor="ctr"/>
           <a:lstStyle>
             <a:lvl1pPr algn="ctr">
-              <a:defRPr sz="5669">
+              <a:defRPr sz="4441">
                 <a:solidFill>
                   <a:schemeClr val="tx1">
                     <a:tint val="75000"/>
@@ -3062,8 +3062,8 @@
         </p:nvSpPr>
         <p:spPr>
           <a:xfrm>
-            <a:off x="30510450" y="33366432"/>
-            <a:ext cx="9720144" cy="1916653"/>
+            <a:off x="23900021" y="43376214"/>
+            <a:ext cx="7614166" cy="2491640"/>
           </a:xfrm>
           <a:prstGeom prst="rect">
             <a:avLst/>
@@ -3073,7 +3073,7 @@
           <a:bodyPr vert="horz" lIns="91440" tIns="45720" rIns="91440" bIns="45720" rtlCol="0" anchor="ctr"/>
           <a:lstStyle>
             <a:lvl1pPr algn="r">
-              <a:defRPr sz="5669">
+              <a:defRPr sz="4441">
                 <a:solidFill>
                   <a:schemeClr val="tx1">
                     <a:tint val="75000"/>
@@ -3094,27 +3094,27 @@
     </p:spTree>
     <p:extLst>
       <p:ext uri="{BB962C8B-B14F-4D97-AF65-F5344CB8AC3E}">
-        <p14:creationId xmlns:p14="http://schemas.microsoft.com/office/powerpoint/2010/main" val="1915909745"/>
+        <p14:creationId xmlns:p14="http://schemas.microsoft.com/office/powerpoint/2010/main" val="1519989855"/>
       </p:ext>
     </p:extLst>
   </p:cSld>
   <p:clrMap bg1="lt1" tx1="dk1" bg2="lt2" tx2="dk2" accent1="accent1" accent2="accent2" accent3="accent3" accent4="accent4" accent5="accent5" accent6="accent6" hlink="hlink" folHlink="folHlink"/>
   <p:sldLayoutIdLst>
-    <p:sldLayoutId id="2147483673" r:id="rId1"/>
-    <p:sldLayoutId id="2147483674" r:id="rId2"/>
-    <p:sldLayoutId id="2147483675" r:id="rId3"/>
-    <p:sldLayoutId id="2147483676" r:id="rId4"/>
-    <p:sldLayoutId id="2147483677" r:id="rId5"/>
-    <p:sldLayoutId id="2147483678" r:id="rId6"/>
-    <p:sldLayoutId id="2147483679" r:id="rId7"/>
-    <p:sldLayoutId id="2147483680" r:id="rId8"/>
-    <p:sldLayoutId id="2147483681" r:id="rId9"/>
-    <p:sldLayoutId id="2147483682" r:id="rId10"/>
-    <p:sldLayoutId id="2147483683" r:id="rId11"/>
+    <p:sldLayoutId id="2147483721" r:id="rId1"/>
+    <p:sldLayoutId id="2147483722" r:id="rId2"/>
+    <p:sldLayoutId id="2147483723" r:id="rId3"/>
+    <p:sldLayoutId id="2147483724" r:id="rId4"/>
+    <p:sldLayoutId id="2147483725" r:id="rId5"/>
+    <p:sldLayoutId id="2147483726" r:id="rId6"/>
+    <p:sldLayoutId id="2147483727" r:id="rId7"/>
+    <p:sldLayoutId id="2147483728" r:id="rId8"/>
+    <p:sldLayoutId id="2147483729" r:id="rId9"/>
+    <p:sldLayoutId id="2147483730" r:id="rId10"/>
+    <p:sldLayoutId id="2147483731" r:id="rId11"/>
   </p:sldLayoutIdLst>
   <p:txStyles>
     <p:titleStyle>
-      <a:lvl1pPr algn="l" defTabSz="4320083" rtl="0" eaLnBrk="1" latinLnBrk="0" hangingPunct="1">
+      <a:lvl1pPr algn="l" defTabSz="3384103" rtl="0" eaLnBrk="1" latinLnBrk="0" hangingPunct="1">
         <a:lnSpc>
           <a:spcPct val="90000"/>
         </a:lnSpc>
@@ -3122,7 +3122,7 @@
           <a:spcPct val="0"/>
         </a:spcBef>
         <a:buNone/>
-        <a:defRPr sz="20788" kern="1200">
+        <a:defRPr sz="16284" kern="1200">
           <a:solidFill>
             <a:schemeClr val="tx1"/>
           </a:solidFill>
@@ -3133,16 +3133,16 @@
       </a:lvl1pPr>
     </p:titleStyle>
     <p:bodyStyle>
-      <a:lvl1pPr marL="1080021" indent="-1080021" algn="l" defTabSz="4320083" rtl="0" eaLnBrk="1" latinLnBrk="0" hangingPunct="1">
+      <a:lvl1pPr marL="846026" indent="-846026" algn="l" defTabSz="3384103" rtl="0" eaLnBrk="1" latinLnBrk="0" hangingPunct="1">
         <a:lnSpc>
           <a:spcPct val="90000"/>
         </a:lnSpc>
         <a:spcBef>
-          <a:spcPts val="4725"/>
+          <a:spcPts val="3701"/>
         </a:spcBef>
         <a:buFont typeface="Arial" panose="020B0604020202020204" pitchFamily="34" charset="0"/>
         <a:buChar char="•"/>
-        <a:defRPr sz="13229" kern="1200">
+        <a:defRPr sz="10363" kern="1200">
           <a:solidFill>
             <a:schemeClr val="tx1"/>
           </a:solidFill>
@@ -3151,16 +3151,16 @@
           <a:cs typeface="+mn-cs"/>
         </a:defRPr>
       </a:lvl1pPr>
-      <a:lvl2pPr marL="3240062" indent="-1080021" algn="l" defTabSz="4320083" rtl="0" eaLnBrk="1" latinLnBrk="0" hangingPunct="1">
+      <a:lvl2pPr marL="2538077" indent="-846026" algn="l" defTabSz="3384103" rtl="0" eaLnBrk="1" latinLnBrk="0" hangingPunct="1">
         <a:lnSpc>
           <a:spcPct val="90000"/>
         </a:lnSpc>
         <a:spcBef>
-          <a:spcPts val="2362"/>
+          <a:spcPts val="1850"/>
         </a:spcBef>
         <a:buFont typeface="Arial" panose="020B0604020202020204" pitchFamily="34" charset="0"/>
         <a:buChar char="•"/>
-        <a:defRPr sz="11339" kern="1200">
+        <a:defRPr sz="8882" kern="1200">
           <a:solidFill>
             <a:schemeClr val="tx1"/>
           </a:solidFill>
@@ -3169,16 +3169,16 @@
           <a:cs typeface="+mn-cs"/>
         </a:defRPr>
       </a:lvl2pPr>
-      <a:lvl3pPr marL="5400104" indent="-1080021" algn="l" defTabSz="4320083" rtl="0" eaLnBrk="1" latinLnBrk="0" hangingPunct="1">
+      <a:lvl3pPr marL="4230129" indent="-846026" algn="l" defTabSz="3384103" rtl="0" eaLnBrk="1" latinLnBrk="0" hangingPunct="1">
         <a:lnSpc>
           <a:spcPct val="90000"/>
         </a:lnSpc>
         <a:spcBef>
-          <a:spcPts val="2362"/>
+          <a:spcPts val="1850"/>
         </a:spcBef>
         <a:buFont typeface="Arial" panose="020B0604020202020204" pitchFamily="34" charset="0"/>
         <a:buChar char="•"/>
-        <a:defRPr sz="9449" kern="1200">
+        <a:defRPr sz="7402" kern="1200">
           <a:solidFill>
             <a:schemeClr val="tx1"/>
           </a:solidFill>
@@ -3187,16 +3187,16 @@
           <a:cs typeface="+mn-cs"/>
         </a:defRPr>
       </a:lvl3pPr>
-      <a:lvl4pPr marL="7560145" indent="-1080021" algn="l" defTabSz="4320083" rtl="0" eaLnBrk="1" latinLnBrk="0" hangingPunct="1">
+      <a:lvl4pPr marL="5922180" indent="-846026" algn="l" defTabSz="3384103" rtl="0" eaLnBrk="1" latinLnBrk="0" hangingPunct="1">
         <a:lnSpc>
           <a:spcPct val="90000"/>
         </a:lnSpc>
         <a:spcBef>
-          <a:spcPts val="2362"/>
+          <a:spcPts val="1850"/>
         </a:spcBef>
         <a:buFont typeface="Arial" panose="020B0604020202020204" pitchFamily="34" charset="0"/>
         <a:buChar char="•"/>
-        <a:defRPr sz="8504" kern="1200">
+        <a:defRPr sz="6662" kern="1200">
           <a:solidFill>
             <a:schemeClr val="tx1"/>
           </a:solidFill>
@@ -3205,16 +3205,16 @@
           <a:cs typeface="+mn-cs"/>
         </a:defRPr>
       </a:lvl4pPr>
-      <a:lvl5pPr marL="9720186" indent="-1080021" algn="l" defTabSz="4320083" rtl="0" eaLnBrk="1" latinLnBrk="0" hangingPunct="1">
+      <a:lvl5pPr marL="7614232" indent="-846026" algn="l" defTabSz="3384103" rtl="0" eaLnBrk="1" latinLnBrk="0" hangingPunct="1">
         <a:lnSpc>
           <a:spcPct val="90000"/>
         </a:lnSpc>
         <a:spcBef>
-          <a:spcPts val="2362"/>
+          <a:spcPts val="1850"/>
         </a:spcBef>
         <a:buFont typeface="Arial" panose="020B0604020202020204" pitchFamily="34" charset="0"/>
         <a:buChar char="•"/>
-        <a:defRPr sz="8504" kern="1200">
+        <a:defRPr sz="6662" kern="1200">
           <a:solidFill>
             <a:schemeClr val="tx1"/>
           </a:solidFill>
@@ -3223,16 +3223,16 @@
           <a:cs typeface="+mn-cs"/>
         </a:defRPr>
       </a:lvl5pPr>
-      <a:lvl6pPr marL="11880228" indent="-1080021" algn="l" defTabSz="4320083" rtl="0" eaLnBrk="1" latinLnBrk="0" hangingPunct="1">
+      <a:lvl6pPr marL="9306283" indent="-846026" algn="l" defTabSz="3384103" rtl="0" eaLnBrk="1" latinLnBrk="0" hangingPunct="1">
         <a:lnSpc>
           <a:spcPct val="90000"/>
         </a:lnSpc>
         <a:spcBef>
-          <a:spcPts val="2362"/>
+          <a:spcPts val="1850"/>
         </a:spcBef>
         <a:buFont typeface="Arial" panose="020B0604020202020204" pitchFamily="34" charset="0"/>
         <a:buChar char="•"/>
-        <a:defRPr sz="8504" kern="1200">
+        <a:defRPr sz="6662" kern="1200">
           <a:solidFill>
             <a:schemeClr val="tx1"/>
           </a:solidFill>
@@ -3241,16 +3241,16 @@
           <a:cs typeface="+mn-cs"/>
         </a:defRPr>
       </a:lvl6pPr>
-      <a:lvl7pPr marL="14040269" indent="-1080021" algn="l" defTabSz="4320083" rtl="0" eaLnBrk="1" latinLnBrk="0" hangingPunct="1">
+      <a:lvl7pPr marL="10998335" indent="-846026" algn="l" defTabSz="3384103" rtl="0" eaLnBrk="1" latinLnBrk="0" hangingPunct="1">
         <a:lnSpc>
           <a:spcPct val="90000"/>
         </a:lnSpc>
         <a:spcBef>
-          <a:spcPts val="2362"/>
+          <a:spcPts val="1850"/>
         </a:spcBef>
         <a:buFont typeface="Arial" panose="020B0604020202020204" pitchFamily="34" charset="0"/>
         <a:buChar char="•"/>
-        <a:defRPr sz="8504" kern="1200">
+        <a:defRPr sz="6662" kern="1200">
           <a:solidFill>
             <a:schemeClr val="tx1"/>
           </a:solidFill>
@@ -3259,16 +3259,16 @@
           <a:cs typeface="+mn-cs"/>
         </a:defRPr>
       </a:lvl7pPr>
-      <a:lvl8pPr marL="16200311" indent="-1080021" algn="l" defTabSz="4320083" rtl="0" eaLnBrk="1" latinLnBrk="0" hangingPunct="1">
+      <a:lvl8pPr marL="12690386" indent="-846026" algn="l" defTabSz="3384103" rtl="0" eaLnBrk="1" latinLnBrk="0" hangingPunct="1">
         <a:lnSpc>
           <a:spcPct val="90000"/>
         </a:lnSpc>
         <a:spcBef>
-          <a:spcPts val="2362"/>
+          <a:spcPts val="1850"/>
         </a:spcBef>
         <a:buFont typeface="Arial" panose="020B0604020202020204" pitchFamily="34" charset="0"/>
         <a:buChar char="•"/>
-        <a:defRPr sz="8504" kern="1200">
+        <a:defRPr sz="6662" kern="1200">
           <a:solidFill>
             <a:schemeClr val="tx1"/>
           </a:solidFill>
@@ -3277,16 +3277,16 @@
           <a:cs typeface="+mn-cs"/>
         </a:defRPr>
       </a:lvl8pPr>
-      <a:lvl9pPr marL="18360352" indent="-1080021" algn="l" defTabSz="4320083" rtl="0" eaLnBrk="1" latinLnBrk="0" hangingPunct="1">
+      <a:lvl9pPr marL="14382438" indent="-846026" algn="l" defTabSz="3384103" rtl="0" eaLnBrk="1" latinLnBrk="0" hangingPunct="1">
         <a:lnSpc>
           <a:spcPct val="90000"/>
         </a:lnSpc>
         <a:spcBef>
-          <a:spcPts val="2362"/>
+          <a:spcPts val="1850"/>
         </a:spcBef>
         <a:buFont typeface="Arial" panose="020B0604020202020204" pitchFamily="34" charset="0"/>
         <a:buChar char="•"/>
-        <a:defRPr sz="8504" kern="1200">
+        <a:defRPr sz="6662" kern="1200">
           <a:solidFill>
             <a:schemeClr val="tx1"/>
           </a:solidFill>
@@ -3300,8 +3300,8 @@
       <a:defPPr>
         <a:defRPr lang="en-US"/>
       </a:defPPr>
-      <a:lvl1pPr marL="0" algn="l" defTabSz="4320083" rtl="0" eaLnBrk="1" latinLnBrk="0" hangingPunct="1">
-        <a:defRPr sz="8504" kern="1200">
+      <a:lvl1pPr marL="0" algn="l" defTabSz="3384103" rtl="0" eaLnBrk="1" latinLnBrk="0" hangingPunct="1">
+        <a:defRPr sz="6662" kern="1200">
           <a:solidFill>
             <a:schemeClr val="tx1"/>
           </a:solidFill>
@@ -3310,8 +3310,8 @@
           <a:cs typeface="+mn-cs"/>
         </a:defRPr>
       </a:lvl1pPr>
-      <a:lvl2pPr marL="2160041" algn="l" defTabSz="4320083" rtl="0" eaLnBrk="1" latinLnBrk="0" hangingPunct="1">
-        <a:defRPr sz="8504" kern="1200">
+      <a:lvl2pPr marL="1692051" algn="l" defTabSz="3384103" rtl="0" eaLnBrk="1" latinLnBrk="0" hangingPunct="1">
+        <a:defRPr sz="6662" kern="1200">
           <a:solidFill>
             <a:schemeClr val="tx1"/>
           </a:solidFill>
@@ -3320,8 +3320,8 @@
           <a:cs typeface="+mn-cs"/>
         </a:defRPr>
       </a:lvl2pPr>
-      <a:lvl3pPr marL="4320083" algn="l" defTabSz="4320083" rtl="0" eaLnBrk="1" latinLnBrk="0" hangingPunct="1">
-        <a:defRPr sz="8504" kern="1200">
+      <a:lvl3pPr marL="3384103" algn="l" defTabSz="3384103" rtl="0" eaLnBrk="1" latinLnBrk="0" hangingPunct="1">
+        <a:defRPr sz="6662" kern="1200">
           <a:solidFill>
             <a:schemeClr val="tx1"/>
           </a:solidFill>
@@ -3330,8 +3330,8 @@
           <a:cs typeface="+mn-cs"/>
         </a:defRPr>
       </a:lvl3pPr>
-      <a:lvl4pPr marL="6480124" algn="l" defTabSz="4320083" rtl="0" eaLnBrk="1" latinLnBrk="0" hangingPunct="1">
-        <a:defRPr sz="8504" kern="1200">
+      <a:lvl4pPr marL="5076154" algn="l" defTabSz="3384103" rtl="0" eaLnBrk="1" latinLnBrk="0" hangingPunct="1">
+        <a:defRPr sz="6662" kern="1200">
           <a:solidFill>
             <a:schemeClr val="tx1"/>
           </a:solidFill>
@@ -3340,8 +3340,8 @@
           <a:cs typeface="+mn-cs"/>
         </a:defRPr>
       </a:lvl4pPr>
-      <a:lvl5pPr marL="8640166" algn="l" defTabSz="4320083" rtl="0" eaLnBrk="1" latinLnBrk="0" hangingPunct="1">
-        <a:defRPr sz="8504" kern="1200">
+      <a:lvl5pPr marL="6768206" algn="l" defTabSz="3384103" rtl="0" eaLnBrk="1" latinLnBrk="0" hangingPunct="1">
+        <a:defRPr sz="6662" kern="1200">
           <a:solidFill>
             <a:schemeClr val="tx1"/>
           </a:solidFill>
@@ -3350,8 +3350,8 @@
           <a:cs typeface="+mn-cs"/>
         </a:defRPr>
       </a:lvl5pPr>
-      <a:lvl6pPr marL="10800207" algn="l" defTabSz="4320083" rtl="0" eaLnBrk="1" latinLnBrk="0" hangingPunct="1">
-        <a:defRPr sz="8504" kern="1200">
+      <a:lvl6pPr marL="8460257" algn="l" defTabSz="3384103" rtl="0" eaLnBrk="1" latinLnBrk="0" hangingPunct="1">
+        <a:defRPr sz="6662" kern="1200">
           <a:solidFill>
             <a:schemeClr val="tx1"/>
           </a:solidFill>
@@ -3360,8 +3360,8 @@
           <a:cs typeface="+mn-cs"/>
         </a:defRPr>
       </a:lvl6pPr>
-      <a:lvl7pPr marL="12960248" algn="l" defTabSz="4320083" rtl="0" eaLnBrk="1" latinLnBrk="0" hangingPunct="1">
-        <a:defRPr sz="8504" kern="1200">
+      <a:lvl7pPr marL="10152309" algn="l" defTabSz="3384103" rtl="0" eaLnBrk="1" latinLnBrk="0" hangingPunct="1">
+        <a:defRPr sz="6662" kern="1200">
           <a:solidFill>
             <a:schemeClr val="tx1"/>
           </a:solidFill>
@@ -3370,8 +3370,8 @@
           <a:cs typeface="+mn-cs"/>
         </a:defRPr>
       </a:lvl7pPr>
-      <a:lvl8pPr marL="15120290" algn="l" defTabSz="4320083" rtl="0" eaLnBrk="1" latinLnBrk="0" hangingPunct="1">
-        <a:defRPr sz="8504" kern="1200">
+      <a:lvl8pPr marL="11844360" algn="l" defTabSz="3384103" rtl="0" eaLnBrk="1" latinLnBrk="0" hangingPunct="1">
+        <a:defRPr sz="6662" kern="1200">
           <a:solidFill>
             <a:schemeClr val="tx1"/>
           </a:solidFill>
@@ -3380,8 +3380,8 @@
           <a:cs typeface="+mn-cs"/>
         </a:defRPr>
       </a:lvl8pPr>
-      <a:lvl9pPr marL="17280331" algn="l" defTabSz="4320083" rtl="0" eaLnBrk="1" latinLnBrk="0" hangingPunct="1">
-        <a:defRPr sz="8504" kern="1200">
+      <a:lvl9pPr marL="13536412" algn="l" defTabSz="3384103" rtl="0" eaLnBrk="1" latinLnBrk="0" hangingPunct="1">
+        <a:defRPr sz="6662" kern="1200">
           <a:solidFill>
             <a:schemeClr val="tx1"/>
           </a:solidFill>
@@ -3414,10 +3414,10 @@
       </p:grpSpPr>
       <p:pic>
         <p:nvPicPr>
-          <p:cNvPr id="33" name="Picture 32" descr="A picture containing text, screenshot, diagram, line&#10;&#10;Description automatically generated">
+          <p:cNvPr id="8" name="Picture 7">
             <a:extLst>
               <a:ext uri="{FF2B5EF4-FFF2-40B4-BE49-F238E27FC236}">
-                <a16:creationId xmlns:a16="http://schemas.microsoft.com/office/drawing/2014/main" id="{02913293-0B5B-A396-194F-36E6102ADDF6}"/>
+                <a16:creationId xmlns:a16="http://schemas.microsoft.com/office/drawing/2014/main" id="{02C55B58-805F-A0F2-F1BB-76B918E074CA}"/>
               </a:ext>
             </a:extLst>
           </p:cNvPr>
@@ -3434,8 +3434,38 @@
         </p:blipFill>
         <p:spPr>
           <a:xfrm>
-            <a:off x="-79514" y="13407418"/>
-            <a:ext cx="20895874" cy="20895874"/>
+            <a:off x="1569362" y="1041778"/>
+            <a:ext cx="13964010" cy="19158171"/>
+          </a:xfrm>
+          <a:prstGeom prst="rect">
+            <a:avLst/>
+          </a:prstGeom>
+        </p:spPr>
+      </p:pic>
+      <p:pic>
+        <p:nvPicPr>
+          <p:cNvPr id="33" name="Picture 32" descr="A picture containing text, screenshot, diagram, line&#10;&#10;Description automatically generated">
+            <a:extLst>
+              <a:ext uri="{FF2B5EF4-FFF2-40B4-BE49-F238E27FC236}">
+                <a16:creationId xmlns:a16="http://schemas.microsoft.com/office/drawing/2014/main" id="{02913293-0B5B-A396-194F-36E6102ADDF6}"/>
+              </a:ext>
+            </a:extLst>
+          </p:cNvPr>
+          <p:cNvPicPr>
+            <a:picLocks noChangeAspect="1"/>
+          </p:cNvPicPr>
+          <p:nvPr/>
+        </p:nvPicPr>
+        <p:blipFill>
+          <a:blip r:embed="rId4"/>
+          <a:stretch>
+            <a:fillRect/>
+          </a:stretch>
+        </p:blipFill>
+        <p:spPr>
+          <a:xfrm>
+            <a:off x="225668" y="31293636"/>
+            <a:ext cx="15671329" cy="15671329"/>
           </a:xfrm>
           <a:prstGeom prst="rect">
             <a:avLst/>
@@ -3457,15 +3487,15 @@
           <p:nvPr/>
         </p:nvPicPr>
         <p:blipFill>
-          <a:blip r:embed="rId4"/>
+          <a:blip r:embed="rId5"/>
           <a:stretch>
             <a:fillRect/>
           </a:stretch>
         </p:blipFill>
         <p:spPr>
           <a:xfrm>
-            <a:off x="21035311" y="13407418"/>
-            <a:ext cx="20895874" cy="20895874"/>
+            <a:off x="17402325" y="31293636"/>
+            <a:ext cx="15671329" cy="15671329"/>
           </a:xfrm>
           <a:prstGeom prst="rect">
             <a:avLst/>
@@ -3487,15 +3517,15 @@
           <p:nvPr/>
         </p:nvPicPr>
         <p:blipFill>
-          <a:blip r:embed="rId5"/>
+          <a:blip r:embed="rId6"/>
           <a:stretch>
             <a:fillRect/>
           </a:stretch>
         </p:blipFill>
         <p:spPr>
           <a:xfrm>
-            <a:off x="899180" y="429163"/>
-            <a:ext cx="19892929" cy="8518963"/>
+            <a:off x="959659" y="21377423"/>
+            <a:ext cx="14919148" cy="6388987"/>
           </a:xfrm>
           <a:prstGeom prst="rect">
             <a:avLst/>
@@ -3517,15 +3547,15 @@
           <p:nvPr/>
         </p:nvPicPr>
         <p:blipFill>
-          <a:blip r:embed="rId6"/>
+          <a:blip r:embed="rId7"/>
           <a:stretch>
             <a:fillRect/>
           </a:stretch>
         </p:blipFill>
         <p:spPr>
           <a:xfrm>
-            <a:off x="22038257" y="429162"/>
-            <a:ext cx="19892928" cy="8518963"/>
+            <a:off x="18154507" y="21377425"/>
+            <a:ext cx="14919147" cy="6388987"/>
           </a:xfrm>
           <a:prstGeom prst="rect">
             <a:avLst/>
@@ -3546,8 +3576,8 @@
         </p:nvSpPr>
         <p:spPr>
           <a:xfrm>
-            <a:off x="283426" y="12656196"/>
-            <a:ext cx="925253" cy="2215991"/>
+            <a:off x="497864" y="30730238"/>
+            <a:ext cx="958917" cy="1938992"/>
           </a:xfrm>
           <a:prstGeom prst="rect">
             <a:avLst/>
@@ -3561,8 +3591,8 @@
           <a:lstStyle/>
           <a:p>
             <a:r>
-              <a:rPr lang="en-US" sz="13800" b="1" dirty="0"/>
-              <a:t>c</a:t>
+              <a:rPr lang="en-US" sz="12000" b="1" dirty="0"/>
+              <a:t>e</a:t>
             </a:r>
           </a:p>
         </p:txBody>
@@ -3581,8 +3611,8 @@
         </p:nvSpPr>
         <p:spPr>
           <a:xfrm>
-            <a:off x="21187043" y="12656196"/>
-            <a:ext cx="1133644" cy="2215991"/>
+            <a:off x="17516122" y="30730238"/>
+            <a:ext cx="671979" cy="1938992"/>
           </a:xfrm>
           <a:prstGeom prst="rect">
             <a:avLst/>
@@ -3596,8 +3626,8 @@
           <a:lstStyle/>
           <a:p>
             <a:r>
-              <a:rPr lang="en-US" sz="13800" b="1" dirty="0"/>
-              <a:t>d</a:t>
+              <a:rPr lang="en-US" sz="12000" b="1" dirty="0"/>
+              <a:t>f</a:t>
             </a:r>
           </a:p>
         </p:txBody>
@@ -3616,8 +3646,8 @@
         </p:nvSpPr>
         <p:spPr>
           <a:xfrm>
-            <a:off x="283426" y="-318056"/>
-            <a:ext cx="1058303" cy="2215991"/>
+            <a:off x="497863" y="20817026"/>
+            <a:ext cx="829073" cy="1938992"/>
           </a:xfrm>
           <a:prstGeom prst="rect">
             <a:avLst/>
@@ -3631,8 +3661,8 @@
           <a:lstStyle/>
           <a:p>
             <a:r>
-              <a:rPr lang="en-US" sz="13800" b="1" dirty="0"/>
-              <a:t>a</a:t>
+              <a:rPr lang="en-US" sz="12000" b="1" dirty="0"/>
+              <a:t>c</a:t>
             </a:r>
           </a:p>
         </p:txBody>
@@ -3651,8 +3681,8 @@
         </p:nvSpPr>
         <p:spPr>
           <a:xfrm>
-            <a:off x="21464346" y="-318056"/>
-            <a:ext cx="1133644" cy="2215991"/>
+            <a:off x="17724092" y="20817026"/>
+            <a:ext cx="1010213" cy="1938992"/>
           </a:xfrm>
           <a:prstGeom prst="rect">
             <a:avLst/>
@@ -3666,18 +3696,1806 @@
           <a:lstStyle/>
           <a:p>
             <a:r>
-              <a:rPr lang="en-US" sz="13800" b="1" dirty="0"/>
+              <a:rPr lang="en-US" sz="12000" b="1" dirty="0"/>
+              <a:t>d</a:t>
+            </a:r>
+          </a:p>
+        </p:txBody>
+      </p:sp>
+      <p:sp>
+        <p:nvSpPr>
+          <p:cNvPr id="45" name="Rectangle 44">
+            <a:extLst>
+              <a:ext uri="{FF2B5EF4-FFF2-40B4-BE49-F238E27FC236}">
+                <a16:creationId xmlns:a16="http://schemas.microsoft.com/office/drawing/2014/main" id="{5BB5139F-D406-57D8-2699-4F29DFEDEA0A}"/>
+              </a:ext>
+            </a:extLst>
+          </p:cNvPr>
+          <p:cNvSpPr/>
+          <p:nvPr/>
+        </p:nvSpPr>
+        <p:spPr>
+          <a:xfrm>
+            <a:off x="19754077" y="4073940"/>
+            <a:ext cx="13898855" cy="12220432"/>
+          </a:xfrm>
+          <a:prstGeom prst="rect">
+            <a:avLst/>
+          </a:prstGeom>
+          <a:ln w="76200" cap="rnd"/>
+        </p:spPr>
+        <p:style>
+          <a:lnRef idx="2">
+            <a:schemeClr val="accent5"/>
+          </a:lnRef>
+          <a:fillRef idx="1">
+            <a:schemeClr val="lt1"/>
+          </a:fillRef>
+          <a:effectRef idx="0">
+            <a:schemeClr val="accent5"/>
+          </a:effectRef>
+          <a:fontRef idx="minor">
+            <a:schemeClr val="dk1"/>
+          </a:fontRef>
+        </p:style>
+        <p:txBody>
+          <a:bodyPr rtlCol="0" anchor="ctr"/>
+          <a:lstStyle/>
+          <a:p>
+            <a:pPr algn="ctr"/>
+            <a:endParaRPr lang="en-US" sz="2000" dirty="0">
+              <a:solidFill>
+                <a:schemeClr val="bg1"/>
+              </a:solidFill>
+            </a:endParaRPr>
+          </a:p>
+        </p:txBody>
+      </p:sp>
+      <p:sp>
+        <p:nvSpPr>
+          <p:cNvPr id="46" name="Card 45">
+            <a:extLst>
+              <a:ext uri="{FF2B5EF4-FFF2-40B4-BE49-F238E27FC236}">
+                <a16:creationId xmlns:a16="http://schemas.microsoft.com/office/drawing/2014/main" id="{43721073-11ED-99E3-DEA1-B960DE96895B}"/>
+              </a:ext>
+            </a:extLst>
+          </p:cNvPr>
+          <p:cNvSpPr/>
+          <p:nvPr/>
+        </p:nvSpPr>
+        <p:spPr>
+          <a:xfrm>
+            <a:off x="26001657" y="1452428"/>
+            <a:ext cx="1352697" cy="1840784"/>
+          </a:xfrm>
+          <a:prstGeom prst="flowChartPunchedCard">
+            <a:avLst/>
+          </a:prstGeom>
+        </p:spPr>
+        <p:style>
+          <a:lnRef idx="2">
+            <a:schemeClr val="accent1">
+              <a:shade val="50000"/>
+            </a:schemeClr>
+          </a:lnRef>
+          <a:fillRef idx="1">
+            <a:schemeClr val="accent1"/>
+          </a:fillRef>
+          <a:effectRef idx="0">
+            <a:schemeClr val="accent1"/>
+          </a:effectRef>
+          <a:fontRef idx="minor">
+            <a:schemeClr val="lt1"/>
+          </a:fontRef>
+        </p:style>
+        <p:txBody>
+          <a:bodyPr rtlCol="0" anchor="ctr"/>
+          <a:lstStyle/>
+          <a:p>
+            <a:pPr algn="ctr"/>
+            <a:r>
+              <a:rPr lang="en-US" sz="3600" dirty="0"/>
+              <a:t>BAM</a:t>
+            </a:r>
+          </a:p>
+        </p:txBody>
+      </p:sp>
+      <p:cxnSp>
+        <p:nvCxnSpPr>
+          <p:cNvPr id="47" name="Straight Arrow Connector 46">
+            <a:extLst>
+              <a:ext uri="{FF2B5EF4-FFF2-40B4-BE49-F238E27FC236}">
+                <a16:creationId xmlns:a16="http://schemas.microsoft.com/office/drawing/2014/main" id="{CB305B50-87C3-28E9-3B71-FCE1C62E871E}"/>
+              </a:ext>
+            </a:extLst>
+          </p:cNvPr>
+          <p:cNvCxnSpPr>
+            <a:cxnSpLocks/>
+            <a:stCxn id="46" idx="2"/>
+            <a:endCxn id="45" idx="0"/>
+          </p:cNvCxnSpPr>
+          <p:nvPr/>
+        </p:nvCxnSpPr>
+        <p:spPr>
+          <a:xfrm>
+            <a:off x="26678006" y="3293212"/>
+            <a:ext cx="25499" cy="780728"/>
+          </a:xfrm>
+          <a:prstGeom prst="straightConnector1">
+            <a:avLst/>
+          </a:prstGeom>
+          <a:ln w="76200">
+            <a:tailEnd type="triangle"/>
+          </a:ln>
+        </p:spPr>
+        <p:style>
+          <a:lnRef idx="1">
+            <a:schemeClr val="accent1"/>
+          </a:lnRef>
+          <a:fillRef idx="0">
+            <a:schemeClr val="accent1"/>
+          </a:fillRef>
+          <a:effectRef idx="0">
+            <a:schemeClr val="accent1"/>
+          </a:effectRef>
+          <a:fontRef idx="minor">
+            <a:schemeClr val="tx1"/>
+          </a:fontRef>
+        </p:style>
+      </p:cxnSp>
+      <p:sp>
+        <p:nvSpPr>
+          <p:cNvPr id="48" name="Rounded Rectangle 47">
+            <a:extLst>
+              <a:ext uri="{FF2B5EF4-FFF2-40B4-BE49-F238E27FC236}">
+                <a16:creationId xmlns:a16="http://schemas.microsoft.com/office/drawing/2014/main" id="{B1425411-22D0-AB05-74DE-BF610E24D10D}"/>
+              </a:ext>
+            </a:extLst>
+          </p:cNvPr>
+          <p:cNvSpPr/>
+          <p:nvPr/>
+        </p:nvSpPr>
+        <p:spPr>
+          <a:xfrm rot="5400000">
+            <a:off x="22531350" y="10215769"/>
+            <a:ext cx="790489" cy="3354013"/>
+          </a:xfrm>
+          <a:prstGeom prst="roundRect">
+            <a:avLst/>
+          </a:prstGeom>
+          <a:solidFill>
+            <a:schemeClr val="accent5">
+              <a:lumMod val="40000"/>
+              <a:lumOff val="60000"/>
+            </a:schemeClr>
+          </a:solidFill>
+          <a:ln w="66675"/>
+        </p:spPr>
+        <p:style>
+          <a:lnRef idx="2">
+            <a:schemeClr val="accent1">
+              <a:shade val="50000"/>
+            </a:schemeClr>
+          </a:lnRef>
+          <a:fillRef idx="1">
+            <a:schemeClr val="accent1"/>
+          </a:fillRef>
+          <a:effectRef idx="0">
+            <a:schemeClr val="accent1"/>
+          </a:effectRef>
+          <a:fontRef idx="minor">
+            <a:schemeClr val="lt1"/>
+          </a:fontRef>
+        </p:style>
+        <p:txBody>
+          <a:bodyPr vert="vert270" rtlCol="0" anchor="ctr"/>
+          <a:lstStyle/>
+          <a:p>
+            <a:pPr algn="ctr"/>
+            <a:r>
+              <a:rPr lang="en-US" sz="3200" b="1" dirty="0">
+                <a:solidFill>
+                  <a:schemeClr val="tx1"/>
+                </a:solidFill>
+                <a:latin typeface="Courier New" panose="02070309020205020404" pitchFamily="49" charset="0"/>
+                <a:cs typeface="Courier New" panose="02070309020205020404" pitchFamily="49" charset="0"/>
+              </a:rPr>
+              <a:t>Splam score</a:t>
+            </a:r>
+          </a:p>
+        </p:txBody>
+      </p:sp>
+      <p:sp>
+        <p:nvSpPr>
+          <p:cNvPr id="49" name="Parallelogram 48">
+            <a:extLst>
+              <a:ext uri="{FF2B5EF4-FFF2-40B4-BE49-F238E27FC236}">
+                <a16:creationId xmlns:a16="http://schemas.microsoft.com/office/drawing/2014/main" id="{493BC893-6083-DAE7-2FB7-5CBBE1C5D0D3}"/>
+              </a:ext>
+            </a:extLst>
+          </p:cNvPr>
+          <p:cNvSpPr/>
+          <p:nvPr/>
+        </p:nvSpPr>
+        <p:spPr>
+          <a:xfrm>
+            <a:off x="21434604" y="5184502"/>
+            <a:ext cx="2977815" cy="1456946"/>
+          </a:xfrm>
+          <a:prstGeom prst="parallelogram">
+            <a:avLst/>
+          </a:prstGeom>
+          <a:solidFill>
+            <a:schemeClr val="accent1">
+              <a:lumMod val="20000"/>
+              <a:lumOff val="80000"/>
+            </a:schemeClr>
+          </a:solidFill>
+        </p:spPr>
+        <p:style>
+          <a:lnRef idx="1">
+            <a:schemeClr val="accent5"/>
+          </a:lnRef>
+          <a:fillRef idx="2">
+            <a:schemeClr val="accent5"/>
+          </a:fillRef>
+          <a:effectRef idx="1">
+            <a:schemeClr val="accent5"/>
+          </a:effectRef>
+          <a:fontRef idx="minor">
+            <a:schemeClr val="dk1"/>
+          </a:fontRef>
+        </p:style>
+        <p:txBody>
+          <a:bodyPr rtlCol="0" anchor="ctr"/>
+          <a:lstStyle/>
+          <a:p>
+            <a:pPr algn="ctr"/>
+            <a:r>
+              <a:rPr lang="en-US" sz="3200" dirty="0"/>
+              <a:t>spliced alignments</a:t>
+            </a:r>
+          </a:p>
+        </p:txBody>
+      </p:sp>
+      <p:sp>
+        <p:nvSpPr>
+          <p:cNvPr id="50" name="Parallelogram 49">
+            <a:extLst>
+              <a:ext uri="{FF2B5EF4-FFF2-40B4-BE49-F238E27FC236}">
+                <a16:creationId xmlns:a16="http://schemas.microsoft.com/office/drawing/2014/main" id="{81A20EB2-728B-3F2F-6F3F-423A7FEE7FF9}"/>
+              </a:ext>
+            </a:extLst>
+          </p:cNvPr>
+          <p:cNvSpPr/>
+          <p:nvPr/>
+        </p:nvSpPr>
+        <p:spPr>
+          <a:xfrm>
+            <a:off x="29960975" y="5184502"/>
+            <a:ext cx="2977815" cy="1456946"/>
+          </a:xfrm>
+          <a:prstGeom prst="parallelogram">
+            <a:avLst/>
+          </a:prstGeom>
+          <a:solidFill>
+            <a:schemeClr val="accent1">
+              <a:lumMod val="20000"/>
+              <a:lumOff val="80000"/>
+            </a:schemeClr>
+          </a:solidFill>
+        </p:spPr>
+        <p:style>
+          <a:lnRef idx="1">
+            <a:schemeClr val="accent5"/>
+          </a:lnRef>
+          <a:fillRef idx="2">
+            <a:schemeClr val="accent5"/>
+          </a:fillRef>
+          <a:effectRef idx="1">
+            <a:schemeClr val="accent5"/>
+          </a:effectRef>
+          <a:fontRef idx="minor">
+            <a:schemeClr val="dk1"/>
+          </a:fontRef>
+        </p:style>
+        <p:txBody>
+          <a:bodyPr rtlCol="0" anchor="ctr"/>
+          <a:lstStyle/>
+          <a:p>
+            <a:pPr algn="ctr"/>
+            <a:r>
+              <a:rPr lang="en-US" sz="3200" dirty="0"/>
+              <a:t>Non-spliced alignments</a:t>
+            </a:r>
+          </a:p>
+        </p:txBody>
+      </p:sp>
+      <p:cxnSp>
+        <p:nvCxnSpPr>
+          <p:cNvPr id="51" name="Elbow Connector 50">
+            <a:extLst>
+              <a:ext uri="{FF2B5EF4-FFF2-40B4-BE49-F238E27FC236}">
+                <a16:creationId xmlns:a16="http://schemas.microsoft.com/office/drawing/2014/main" id="{1A92193F-046A-5D22-25DE-0E3D8DBCE246}"/>
+              </a:ext>
+            </a:extLst>
+          </p:cNvPr>
+          <p:cNvCxnSpPr>
+            <a:cxnSpLocks/>
+            <a:stCxn id="45" idx="0"/>
+            <a:endCxn id="49" idx="0"/>
+          </p:cNvCxnSpPr>
+          <p:nvPr/>
+        </p:nvCxnSpPr>
+        <p:spPr>
+          <a:xfrm rot="16200000" flipH="1" flipV="1">
+            <a:off x="24258225" y="2739227"/>
+            <a:ext cx="1110562" cy="3779993"/>
+          </a:xfrm>
+          <a:prstGeom prst="bentConnector3">
+            <a:avLst>
+              <a:gd name="adj1" fmla="val 33449"/>
+            </a:avLst>
+          </a:prstGeom>
+          <a:ln w="76200">
+            <a:solidFill>
+              <a:schemeClr val="accent5">
+                <a:lumMod val="50000"/>
+              </a:schemeClr>
+            </a:solidFill>
+            <a:tailEnd type="triangle"/>
+          </a:ln>
+        </p:spPr>
+        <p:style>
+          <a:lnRef idx="1">
+            <a:schemeClr val="accent1"/>
+          </a:lnRef>
+          <a:fillRef idx="0">
+            <a:schemeClr val="accent1"/>
+          </a:fillRef>
+          <a:effectRef idx="0">
+            <a:schemeClr val="accent1"/>
+          </a:effectRef>
+          <a:fontRef idx="minor">
+            <a:schemeClr val="tx1"/>
+          </a:fontRef>
+        </p:style>
+      </p:cxnSp>
+      <p:cxnSp>
+        <p:nvCxnSpPr>
+          <p:cNvPr id="52" name="Elbow Connector 51">
+            <a:extLst>
+              <a:ext uri="{FF2B5EF4-FFF2-40B4-BE49-F238E27FC236}">
+                <a16:creationId xmlns:a16="http://schemas.microsoft.com/office/drawing/2014/main" id="{2BB6D35E-352F-0B16-293B-1450A0B60505}"/>
+              </a:ext>
+            </a:extLst>
+          </p:cNvPr>
+          <p:cNvCxnSpPr>
+            <a:cxnSpLocks/>
+            <a:stCxn id="45" idx="0"/>
+            <a:endCxn id="50" idx="0"/>
+          </p:cNvCxnSpPr>
+          <p:nvPr/>
+        </p:nvCxnSpPr>
+        <p:spPr>
+          <a:xfrm rot="16200000" flipH="1">
+            <a:off x="28521410" y="2256032"/>
+            <a:ext cx="1110562" cy="4746378"/>
+          </a:xfrm>
+          <a:prstGeom prst="bentConnector3">
+            <a:avLst>
+              <a:gd name="adj1" fmla="val 33449"/>
+            </a:avLst>
+          </a:prstGeom>
+          <a:ln w="76200">
+            <a:solidFill>
+              <a:schemeClr val="accent5">
+                <a:lumMod val="50000"/>
+              </a:schemeClr>
+            </a:solidFill>
+            <a:tailEnd type="triangle"/>
+          </a:ln>
+        </p:spPr>
+        <p:style>
+          <a:lnRef idx="1">
+            <a:schemeClr val="accent1"/>
+          </a:lnRef>
+          <a:fillRef idx="0">
+            <a:schemeClr val="accent1"/>
+          </a:fillRef>
+          <a:effectRef idx="0">
+            <a:schemeClr val="accent1"/>
+          </a:effectRef>
+          <a:fontRef idx="minor">
+            <a:schemeClr val="tx1"/>
+          </a:fontRef>
+        </p:style>
+      </p:cxnSp>
+      <p:cxnSp>
+        <p:nvCxnSpPr>
+          <p:cNvPr id="53" name="Straight Arrow Connector 52">
+            <a:extLst>
+              <a:ext uri="{FF2B5EF4-FFF2-40B4-BE49-F238E27FC236}">
+                <a16:creationId xmlns:a16="http://schemas.microsoft.com/office/drawing/2014/main" id="{C11298B0-B09D-79C5-8419-3FA53965484F}"/>
+              </a:ext>
+            </a:extLst>
+          </p:cNvPr>
+          <p:cNvCxnSpPr>
+            <a:cxnSpLocks/>
+            <a:stCxn id="49" idx="4"/>
+            <a:endCxn id="79" idx="1"/>
+          </p:cNvCxnSpPr>
+          <p:nvPr/>
+        </p:nvCxnSpPr>
+        <p:spPr>
+          <a:xfrm flipH="1">
+            <a:off x="22909343" y="6641451"/>
+            <a:ext cx="14166" cy="845063"/>
+          </a:xfrm>
+          <a:prstGeom prst="straightConnector1">
+            <a:avLst/>
+          </a:prstGeom>
+          <a:ln w="76200">
+            <a:solidFill>
+              <a:schemeClr val="accent5">
+                <a:lumMod val="50000"/>
+              </a:schemeClr>
+            </a:solidFill>
+            <a:tailEnd type="triangle"/>
+          </a:ln>
+        </p:spPr>
+        <p:style>
+          <a:lnRef idx="1">
+            <a:schemeClr val="accent1"/>
+          </a:lnRef>
+          <a:fillRef idx="0">
+            <a:schemeClr val="accent1"/>
+          </a:fillRef>
+          <a:effectRef idx="0">
+            <a:schemeClr val="accent1"/>
+          </a:effectRef>
+          <a:fontRef idx="minor">
+            <a:schemeClr val="tx1"/>
+          </a:fontRef>
+        </p:style>
+      </p:cxnSp>
+      <p:sp>
+        <p:nvSpPr>
+          <p:cNvPr id="54" name="Parallelogram 53">
+            <a:extLst>
+              <a:ext uri="{FF2B5EF4-FFF2-40B4-BE49-F238E27FC236}">
+                <a16:creationId xmlns:a16="http://schemas.microsoft.com/office/drawing/2014/main" id="{1F56CB47-F255-2390-3A20-8E2B4A73C6C6}"/>
+              </a:ext>
+            </a:extLst>
+          </p:cNvPr>
+          <p:cNvSpPr/>
+          <p:nvPr/>
+        </p:nvSpPr>
+        <p:spPr>
+          <a:xfrm>
+            <a:off x="20198033" y="13631570"/>
+            <a:ext cx="2717472" cy="1456946"/>
+          </a:xfrm>
+          <a:prstGeom prst="parallelogram">
+            <a:avLst/>
+          </a:prstGeom>
+          <a:solidFill>
+            <a:srgbClr val="61983C"/>
+          </a:solidFill>
+          <a:ln>
+            <a:solidFill>
+              <a:srgbClr val="6BAD44"/>
+            </a:solidFill>
+          </a:ln>
+        </p:spPr>
+        <p:style>
+          <a:lnRef idx="2">
+            <a:schemeClr val="accent6">
+              <a:shade val="50000"/>
+            </a:schemeClr>
+          </a:lnRef>
+          <a:fillRef idx="1">
+            <a:schemeClr val="accent6"/>
+          </a:fillRef>
+          <a:effectRef idx="0">
+            <a:schemeClr val="accent6"/>
+          </a:effectRef>
+          <a:fontRef idx="minor">
+            <a:schemeClr val="lt1"/>
+          </a:fontRef>
+        </p:style>
+        <p:txBody>
+          <a:bodyPr rtlCol="0" anchor="ctr"/>
+          <a:lstStyle/>
+          <a:p>
+            <a:pPr algn="ctr"/>
+            <a:r>
+              <a:rPr lang="en-US" sz="3200" b="1" dirty="0"/>
+              <a:t>Good junctions</a:t>
+            </a:r>
+          </a:p>
+        </p:txBody>
+      </p:sp>
+      <p:sp>
+        <p:nvSpPr>
+          <p:cNvPr id="55" name="Parallelogram 54">
+            <a:extLst>
+              <a:ext uri="{FF2B5EF4-FFF2-40B4-BE49-F238E27FC236}">
+                <a16:creationId xmlns:a16="http://schemas.microsoft.com/office/drawing/2014/main" id="{F96445E9-FDFE-B3BE-98B1-ADAB3F466AB0}"/>
+              </a:ext>
+            </a:extLst>
+          </p:cNvPr>
+          <p:cNvSpPr/>
+          <p:nvPr/>
+        </p:nvSpPr>
+        <p:spPr>
+          <a:xfrm>
+            <a:off x="22811376" y="13599258"/>
+            <a:ext cx="2717472" cy="1456946"/>
+          </a:xfrm>
+          <a:prstGeom prst="parallelogram">
+            <a:avLst/>
+          </a:prstGeom>
+          <a:solidFill>
+            <a:srgbClr val="E00003"/>
+          </a:solidFill>
+        </p:spPr>
+        <p:style>
+          <a:lnRef idx="2">
+            <a:schemeClr val="accent2">
+              <a:shade val="50000"/>
+            </a:schemeClr>
+          </a:lnRef>
+          <a:fillRef idx="1">
+            <a:schemeClr val="accent2"/>
+          </a:fillRef>
+          <a:effectRef idx="0">
+            <a:schemeClr val="accent2"/>
+          </a:effectRef>
+          <a:fontRef idx="minor">
+            <a:schemeClr val="lt1"/>
+          </a:fontRef>
+        </p:style>
+        <p:txBody>
+          <a:bodyPr rtlCol="0" anchor="ctr"/>
+          <a:lstStyle/>
+          <a:p>
+            <a:pPr algn="ctr"/>
+            <a:r>
+              <a:rPr lang="en-US" sz="3200" b="1" dirty="0"/>
+              <a:t>Bad junctions</a:t>
+            </a:r>
+          </a:p>
+        </p:txBody>
+      </p:sp>
+      <p:cxnSp>
+        <p:nvCxnSpPr>
+          <p:cNvPr id="56" name="Straight Arrow Connector 55">
+            <a:extLst>
+              <a:ext uri="{FF2B5EF4-FFF2-40B4-BE49-F238E27FC236}">
+                <a16:creationId xmlns:a16="http://schemas.microsoft.com/office/drawing/2014/main" id="{D9393360-2C1C-0A87-7340-732095371EC5}"/>
+              </a:ext>
+            </a:extLst>
+          </p:cNvPr>
+          <p:cNvCxnSpPr>
+            <a:cxnSpLocks/>
+            <a:stCxn id="65" idx="4"/>
+            <a:endCxn id="48" idx="1"/>
+          </p:cNvCxnSpPr>
+          <p:nvPr/>
+        </p:nvCxnSpPr>
+        <p:spPr>
+          <a:xfrm>
+            <a:off x="22909343" y="10647388"/>
+            <a:ext cx="17248" cy="850143"/>
+          </a:xfrm>
+          <a:prstGeom prst="straightConnector1">
+            <a:avLst/>
+          </a:prstGeom>
+          <a:ln w="76200">
+            <a:solidFill>
+              <a:schemeClr val="accent5">
+                <a:lumMod val="50000"/>
+              </a:schemeClr>
+            </a:solidFill>
+            <a:tailEnd type="triangle"/>
+          </a:ln>
+        </p:spPr>
+        <p:style>
+          <a:lnRef idx="1">
+            <a:schemeClr val="accent1"/>
+          </a:lnRef>
+          <a:fillRef idx="0">
+            <a:schemeClr val="accent1"/>
+          </a:fillRef>
+          <a:effectRef idx="0">
+            <a:schemeClr val="accent1"/>
+          </a:effectRef>
+          <a:fontRef idx="minor">
+            <a:schemeClr val="tx1"/>
+          </a:fontRef>
+        </p:style>
+      </p:cxnSp>
+      <p:sp>
+        <p:nvSpPr>
+          <p:cNvPr id="57" name="Decision 56">
+            <a:extLst>
+              <a:ext uri="{FF2B5EF4-FFF2-40B4-BE49-F238E27FC236}">
+                <a16:creationId xmlns:a16="http://schemas.microsoft.com/office/drawing/2014/main" id="{69874700-7240-6FA4-ECAD-5E1D6608FF34}"/>
+              </a:ext>
+            </a:extLst>
+          </p:cNvPr>
+          <p:cNvSpPr/>
+          <p:nvPr/>
+        </p:nvSpPr>
+        <p:spPr>
+          <a:xfrm>
+            <a:off x="26197464" y="11993275"/>
+            <a:ext cx="4609869" cy="3115182"/>
+          </a:xfrm>
+          <a:prstGeom prst="flowChartDecision">
+            <a:avLst/>
+          </a:prstGeom>
+          <a:solidFill>
+            <a:schemeClr val="bg1">
+              <a:lumMod val="85000"/>
+              <a:alpha val="70173"/>
+            </a:schemeClr>
+          </a:solidFill>
+        </p:spPr>
+        <p:style>
+          <a:lnRef idx="2">
+            <a:schemeClr val="accent3">
+              <a:shade val="50000"/>
+            </a:schemeClr>
+          </a:lnRef>
+          <a:fillRef idx="1">
+            <a:schemeClr val="accent3"/>
+          </a:fillRef>
+          <a:effectRef idx="0">
+            <a:schemeClr val="accent3"/>
+          </a:effectRef>
+          <a:fontRef idx="minor">
+            <a:schemeClr val="lt1"/>
+          </a:fontRef>
+        </p:style>
+        <p:txBody>
+          <a:bodyPr rtlCol="0" anchor="ctr"/>
+          <a:lstStyle/>
+          <a:p>
+            <a:pPr algn="ctr"/>
+            <a:r>
+              <a:rPr lang="en-US" sz="3200" b="1" dirty="0">
+                <a:solidFill>
+                  <a:schemeClr val="tx1"/>
+                </a:solidFill>
+              </a:rPr>
+              <a:t>Alignments contain any spurious junctions?</a:t>
+            </a:r>
+          </a:p>
+        </p:txBody>
+      </p:sp>
+      <p:cxnSp>
+        <p:nvCxnSpPr>
+          <p:cNvPr id="58" name="Elbow Connector 57">
+            <a:extLst>
+              <a:ext uri="{FF2B5EF4-FFF2-40B4-BE49-F238E27FC236}">
+                <a16:creationId xmlns:a16="http://schemas.microsoft.com/office/drawing/2014/main" id="{60CE160C-0D45-D2F1-7435-3629BC061A85}"/>
+              </a:ext>
+            </a:extLst>
+          </p:cNvPr>
+          <p:cNvCxnSpPr>
+            <a:cxnSpLocks/>
+            <a:stCxn id="57" idx="2"/>
+            <a:endCxn id="63" idx="0"/>
+          </p:cNvCxnSpPr>
+          <p:nvPr/>
+        </p:nvCxnSpPr>
+        <p:spPr>
+          <a:xfrm rot="5400000">
+            <a:off x="24819224" y="13790149"/>
+            <a:ext cx="2364867" cy="5001482"/>
+          </a:xfrm>
+          <a:prstGeom prst="bentConnector3">
+            <a:avLst>
+              <a:gd name="adj1" fmla="val 31703"/>
+            </a:avLst>
+          </a:prstGeom>
+          <a:ln w="76200">
+            <a:solidFill>
+              <a:srgbClr val="FF0000"/>
+            </a:solidFill>
+            <a:tailEnd type="triangle"/>
+          </a:ln>
+        </p:spPr>
+        <p:style>
+          <a:lnRef idx="1">
+            <a:schemeClr val="accent1"/>
+          </a:lnRef>
+          <a:fillRef idx="0">
+            <a:schemeClr val="accent1"/>
+          </a:fillRef>
+          <a:effectRef idx="0">
+            <a:schemeClr val="accent1"/>
+          </a:effectRef>
+          <a:fontRef idx="minor">
+            <a:schemeClr val="tx1"/>
+          </a:fontRef>
+        </p:style>
+      </p:cxnSp>
+      <p:cxnSp>
+        <p:nvCxnSpPr>
+          <p:cNvPr id="59" name="Elbow Connector 58">
+            <a:extLst>
+              <a:ext uri="{FF2B5EF4-FFF2-40B4-BE49-F238E27FC236}">
+                <a16:creationId xmlns:a16="http://schemas.microsoft.com/office/drawing/2014/main" id="{F19CC8DD-DD13-424B-3058-BF0F8BF53BE9}"/>
+              </a:ext>
+            </a:extLst>
+          </p:cNvPr>
+          <p:cNvCxnSpPr>
+            <a:cxnSpLocks/>
+            <a:stCxn id="57" idx="3"/>
+            <a:endCxn id="62" idx="0"/>
+          </p:cNvCxnSpPr>
+          <p:nvPr/>
+        </p:nvCxnSpPr>
+        <p:spPr>
+          <a:xfrm>
+            <a:off x="30807330" y="13550867"/>
+            <a:ext cx="676348" cy="3922456"/>
+          </a:xfrm>
+          <a:prstGeom prst="bentConnector2">
+            <a:avLst/>
+          </a:prstGeom>
+          <a:ln w="76200">
+            <a:solidFill>
+              <a:schemeClr val="accent6"/>
+            </a:solidFill>
+            <a:tailEnd type="triangle"/>
+          </a:ln>
+        </p:spPr>
+        <p:style>
+          <a:lnRef idx="1">
+            <a:schemeClr val="accent1"/>
+          </a:lnRef>
+          <a:fillRef idx="0">
+            <a:schemeClr val="accent1"/>
+          </a:fillRef>
+          <a:effectRef idx="0">
+            <a:schemeClr val="accent1"/>
+          </a:effectRef>
+          <a:fontRef idx="minor">
+            <a:schemeClr val="tx1"/>
+          </a:fontRef>
+        </p:style>
+      </p:cxnSp>
+      <p:sp>
+        <p:nvSpPr>
+          <p:cNvPr id="60" name="TextBox 59">
+            <a:extLst>
+              <a:ext uri="{FF2B5EF4-FFF2-40B4-BE49-F238E27FC236}">
+                <a16:creationId xmlns:a16="http://schemas.microsoft.com/office/drawing/2014/main" id="{EE3E9681-9870-64FF-EF9E-8B77E3BB2951}"/>
+              </a:ext>
+            </a:extLst>
+          </p:cNvPr>
+          <p:cNvSpPr txBox="1"/>
+          <p:nvPr/>
+        </p:nvSpPr>
+        <p:spPr>
+          <a:xfrm>
+            <a:off x="30472169" y="12637349"/>
+            <a:ext cx="798617" cy="707886"/>
+          </a:xfrm>
+          <a:prstGeom prst="rect">
+            <a:avLst/>
+          </a:prstGeom>
+          <a:noFill/>
+        </p:spPr>
+        <p:txBody>
+          <a:bodyPr wrap="none" rtlCol="0">
+            <a:spAutoFit/>
+          </a:bodyPr>
+          <a:lstStyle/>
+          <a:p>
+            <a:r>
+              <a:rPr lang="en-US" sz="4000" b="1" dirty="0">
+                <a:solidFill>
+                  <a:schemeClr val="accent6">
+                    <a:lumMod val="75000"/>
+                  </a:schemeClr>
+                </a:solidFill>
+              </a:rPr>
+              <a:t>No</a:t>
+            </a:r>
+          </a:p>
+        </p:txBody>
+      </p:sp>
+      <p:sp>
+        <p:nvSpPr>
+          <p:cNvPr id="61" name="TextBox 60">
+            <a:extLst>
+              <a:ext uri="{FF2B5EF4-FFF2-40B4-BE49-F238E27FC236}">
+                <a16:creationId xmlns:a16="http://schemas.microsoft.com/office/drawing/2014/main" id="{E53BC473-64B3-4C95-1467-F50D08BDA41A}"/>
+              </a:ext>
+            </a:extLst>
+          </p:cNvPr>
+          <p:cNvSpPr txBox="1"/>
+          <p:nvPr/>
+        </p:nvSpPr>
+        <p:spPr>
+          <a:xfrm>
+            <a:off x="27527692" y="15036441"/>
+            <a:ext cx="872931" cy="707886"/>
+          </a:xfrm>
+          <a:prstGeom prst="rect">
+            <a:avLst/>
+          </a:prstGeom>
+          <a:noFill/>
+        </p:spPr>
+        <p:txBody>
+          <a:bodyPr wrap="none" rtlCol="0">
+            <a:spAutoFit/>
+          </a:bodyPr>
+          <a:lstStyle/>
+          <a:p>
+            <a:r>
+              <a:rPr lang="en-US" sz="4000" b="1" dirty="0">
+                <a:solidFill>
+                  <a:srgbClr val="FF0000"/>
+                </a:solidFill>
+              </a:rPr>
+              <a:t>Yes</a:t>
+            </a:r>
+          </a:p>
+        </p:txBody>
+      </p:sp>
+      <p:sp>
+        <p:nvSpPr>
+          <p:cNvPr id="62" name="Card 61">
+            <a:extLst>
+              <a:ext uri="{FF2B5EF4-FFF2-40B4-BE49-F238E27FC236}">
+                <a16:creationId xmlns:a16="http://schemas.microsoft.com/office/drawing/2014/main" id="{26AE5C9F-E570-B595-4221-0502F5532722}"/>
+              </a:ext>
+            </a:extLst>
+          </p:cNvPr>
+          <p:cNvSpPr/>
+          <p:nvPr/>
+        </p:nvSpPr>
+        <p:spPr>
+          <a:xfrm>
+            <a:off x="30807333" y="17473323"/>
+            <a:ext cx="1352697" cy="1840784"/>
+          </a:xfrm>
+          <a:prstGeom prst="flowChartPunchedCard">
+            <a:avLst/>
+          </a:prstGeom>
+          <a:solidFill>
+            <a:schemeClr val="accent6">
+              <a:lumMod val="75000"/>
+            </a:schemeClr>
+          </a:solidFill>
+        </p:spPr>
+        <p:style>
+          <a:lnRef idx="2">
+            <a:schemeClr val="accent1">
+              <a:shade val="50000"/>
+            </a:schemeClr>
+          </a:lnRef>
+          <a:fillRef idx="1">
+            <a:schemeClr val="accent1"/>
+          </a:fillRef>
+          <a:effectRef idx="0">
+            <a:schemeClr val="accent1"/>
+          </a:effectRef>
+          <a:fontRef idx="minor">
+            <a:schemeClr val="lt1"/>
+          </a:fontRef>
+        </p:style>
+        <p:txBody>
+          <a:bodyPr rtlCol="0" anchor="ctr"/>
+          <a:lstStyle/>
+          <a:p>
+            <a:pPr algn="ctr"/>
+            <a:r>
+              <a:rPr lang="en-US" sz="3600" dirty="0"/>
+              <a:t>BAM</a:t>
+            </a:r>
+          </a:p>
+        </p:txBody>
+      </p:sp>
+      <p:sp>
+        <p:nvSpPr>
+          <p:cNvPr id="63" name="Card 62">
+            <a:extLst>
+              <a:ext uri="{FF2B5EF4-FFF2-40B4-BE49-F238E27FC236}">
+                <a16:creationId xmlns:a16="http://schemas.microsoft.com/office/drawing/2014/main" id="{F368B43B-4627-DEB3-15A5-49ECC188BB8C}"/>
+              </a:ext>
+            </a:extLst>
+          </p:cNvPr>
+          <p:cNvSpPr/>
+          <p:nvPr/>
+        </p:nvSpPr>
+        <p:spPr>
+          <a:xfrm>
+            <a:off x="22824567" y="17473324"/>
+            <a:ext cx="1352697" cy="1840784"/>
+          </a:xfrm>
+          <a:prstGeom prst="flowChartPunchedCard">
+            <a:avLst/>
+          </a:prstGeom>
+          <a:solidFill>
+            <a:srgbClr val="C00000"/>
+          </a:solidFill>
+        </p:spPr>
+        <p:style>
+          <a:lnRef idx="2">
+            <a:schemeClr val="accent1">
+              <a:shade val="50000"/>
+            </a:schemeClr>
+          </a:lnRef>
+          <a:fillRef idx="1">
+            <a:schemeClr val="accent1"/>
+          </a:fillRef>
+          <a:effectRef idx="0">
+            <a:schemeClr val="accent1"/>
+          </a:effectRef>
+          <a:fontRef idx="minor">
+            <a:schemeClr val="lt1"/>
+          </a:fontRef>
+        </p:style>
+        <p:txBody>
+          <a:bodyPr rtlCol="0" anchor="ctr"/>
+          <a:lstStyle/>
+          <a:p>
+            <a:pPr algn="ctr"/>
+            <a:r>
+              <a:rPr lang="en-US" sz="3600" dirty="0"/>
+              <a:t>BAM</a:t>
+            </a:r>
+          </a:p>
+        </p:txBody>
+      </p:sp>
+      <p:cxnSp>
+        <p:nvCxnSpPr>
+          <p:cNvPr id="64" name="Straight Arrow Connector 63">
+            <a:extLst>
+              <a:ext uri="{FF2B5EF4-FFF2-40B4-BE49-F238E27FC236}">
+                <a16:creationId xmlns:a16="http://schemas.microsoft.com/office/drawing/2014/main" id="{BD05A5D6-26E6-051E-07D9-CA69115A1926}"/>
+              </a:ext>
+            </a:extLst>
+          </p:cNvPr>
+          <p:cNvCxnSpPr>
+            <a:cxnSpLocks/>
+            <a:stCxn id="50" idx="4"/>
+            <a:endCxn id="62" idx="0"/>
+          </p:cNvCxnSpPr>
+          <p:nvPr/>
+        </p:nvCxnSpPr>
+        <p:spPr>
+          <a:xfrm>
+            <a:off x="31449883" y="6641451"/>
+            <a:ext cx="33799" cy="10831875"/>
+          </a:xfrm>
+          <a:prstGeom prst="straightConnector1">
+            <a:avLst/>
+          </a:prstGeom>
+          <a:ln w="76200">
+            <a:solidFill>
+              <a:schemeClr val="accent6"/>
+            </a:solidFill>
+            <a:tailEnd type="triangle"/>
+          </a:ln>
+        </p:spPr>
+        <p:style>
+          <a:lnRef idx="1">
+            <a:schemeClr val="accent1"/>
+          </a:lnRef>
+          <a:fillRef idx="0">
+            <a:schemeClr val="accent1"/>
+          </a:fillRef>
+          <a:effectRef idx="0">
+            <a:schemeClr val="accent1"/>
+          </a:effectRef>
+          <a:fontRef idx="minor">
+            <a:schemeClr val="tx1"/>
+          </a:fontRef>
+        </p:style>
+      </p:cxnSp>
+      <p:sp>
+        <p:nvSpPr>
+          <p:cNvPr id="65" name="Parallelogram 64">
+            <a:extLst>
+              <a:ext uri="{FF2B5EF4-FFF2-40B4-BE49-F238E27FC236}">
+                <a16:creationId xmlns:a16="http://schemas.microsoft.com/office/drawing/2014/main" id="{CAFE0690-FA9F-B306-0783-D7D7ED4D8DA7}"/>
+              </a:ext>
+            </a:extLst>
+          </p:cNvPr>
+          <p:cNvSpPr/>
+          <p:nvPr/>
+        </p:nvSpPr>
+        <p:spPr>
+          <a:xfrm>
+            <a:off x="21420438" y="9190439"/>
+            <a:ext cx="2977815" cy="1456946"/>
+          </a:xfrm>
+          <a:prstGeom prst="parallelogram">
+            <a:avLst/>
+          </a:prstGeom>
+          <a:solidFill>
+            <a:schemeClr val="accent1">
+              <a:lumMod val="20000"/>
+              <a:lumOff val="80000"/>
+            </a:schemeClr>
+          </a:solidFill>
+        </p:spPr>
+        <p:style>
+          <a:lnRef idx="1">
+            <a:schemeClr val="accent5"/>
+          </a:lnRef>
+          <a:fillRef idx="2">
+            <a:schemeClr val="accent5"/>
+          </a:fillRef>
+          <a:effectRef idx="1">
+            <a:schemeClr val="accent5"/>
+          </a:effectRef>
+          <a:fontRef idx="minor">
+            <a:schemeClr val="dk1"/>
+          </a:fontRef>
+        </p:style>
+        <p:txBody>
+          <a:bodyPr rtlCol="0" anchor="ctr"/>
+          <a:lstStyle/>
+          <a:p>
+            <a:pPr algn="ctr"/>
+            <a:r>
+              <a:rPr lang="en-US" sz="3200" dirty="0"/>
+              <a:t>All junctions</a:t>
+            </a:r>
+          </a:p>
+        </p:txBody>
+      </p:sp>
+      <p:cxnSp>
+        <p:nvCxnSpPr>
+          <p:cNvPr id="66" name="Elbow Connector 65">
+            <a:extLst>
+              <a:ext uri="{FF2B5EF4-FFF2-40B4-BE49-F238E27FC236}">
+                <a16:creationId xmlns:a16="http://schemas.microsoft.com/office/drawing/2014/main" id="{3853312D-229F-CB87-47A0-2D8495883CC0}"/>
+              </a:ext>
+            </a:extLst>
+          </p:cNvPr>
+          <p:cNvCxnSpPr>
+            <a:cxnSpLocks/>
+            <a:stCxn id="48" idx="3"/>
+            <a:endCxn id="55" idx="0"/>
+          </p:cNvCxnSpPr>
+          <p:nvPr/>
+        </p:nvCxnSpPr>
+        <p:spPr>
+          <a:xfrm rot="16200000" flipH="1">
+            <a:off x="22892734" y="12321879"/>
+            <a:ext cx="1311241" cy="1243521"/>
+          </a:xfrm>
+          <a:prstGeom prst="bentConnector3">
+            <a:avLst>
+              <a:gd name="adj1" fmla="val 50000"/>
+            </a:avLst>
+          </a:prstGeom>
+          <a:ln w="76200">
+            <a:solidFill>
+              <a:schemeClr val="accent5">
+                <a:lumMod val="50000"/>
+              </a:schemeClr>
+            </a:solidFill>
+            <a:tailEnd type="triangle"/>
+          </a:ln>
+        </p:spPr>
+        <p:style>
+          <a:lnRef idx="1">
+            <a:schemeClr val="accent1"/>
+          </a:lnRef>
+          <a:fillRef idx="0">
+            <a:schemeClr val="accent1"/>
+          </a:fillRef>
+          <a:effectRef idx="0">
+            <a:schemeClr val="accent1"/>
+          </a:effectRef>
+          <a:fontRef idx="minor">
+            <a:schemeClr val="tx1"/>
+          </a:fontRef>
+        </p:style>
+      </p:cxnSp>
+      <p:cxnSp>
+        <p:nvCxnSpPr>
+          <p:cNvPr id="67" name="Elbow Connector 66">
+            <a:extLst>
+              <a:ext uri="{FF2B5EF4-FFF2-40B4-BE49-F238E27FC236}">
+                <a16:creationId xmlns:a16="http://schemas.microsoft.com/office/drawing/2014/main" id="{31F779D4-381F-7C94-7166-4FFA802F3472}"/>
+              </a:ext>
+            </a:extLst>
+          </p:cNvPr>
+          <p:cNvCxnSpPr>
+            <a:cxnSpLocks/>
+            <a:stCxn id="48" idx="3"/>
+            <a:endCxn id="54" idx="0"/>
+          </p:cNvCxnSpPr>
+          <p:nvPr/>
+        </p:nvCxnSpPr>
+        <p:spPr>
+          <a:xfrm rot="5400000">
+            <a:off x="21569907" y="12274882"/>
+            <a:ext cx="1343553" cy="1369822"/>
+          </a:xfrm>
+          <a:prstGeom prst="bentConnector3">
+            <a:avLst>
+              <a:gd name="adj1" fmla="val 50000"/>
+            </a:avLst>
+          </a:prstGeom>
+          <a:ln w="76200">
+            <a:solidFill>
+              <a:schemeClr val="accent5">
+                <a:lumMod val="50000"/>
+              </a:schemeClr>
+            </a:solidFill>
+            <a:tailEnd type="triangle"/>
+          </a:ln>
+        </p:spPr>
+        <p:style>
+          <a:lnRef idx="1">
+            <a:schemeClr val="accent1"/>
+          </a:lnRef>
+          <a:fillRef idx="0">
+            <a:schemeClr val="accent1"/>
+          </a:fillRef>
+          <a:effectRef idx="0">
+            <a:schemeClr val="accent1"/>
+          </a:effectRef>
+          <a:fontRef idx="minor">
+            <a:schemeClr val="tx1"/>
+          </a:fontRef>
+        </p:style>
+      </p:cxnSp>
+      <p:cxnSp>
+        <p:nvCxnSpPr>
+          <p:cNvPr id="68" name="Elbow Connector 67">
+            <a:extLst>
+              <a:ext uri="{FF2B5EF4-FFF2-40B4-BE49-F238E27FC236}">
+                <a16:creationId xmlns:a16="http://schemas.microsoft.com/office/drawing/2014/main" id="{DCC21DD8-24A8-0340-1FE9-291643EBE1A7}"/>
+              </a:ext>
+            </a:extLst>
+          </p:cNvPr>
+          <p:cNvCxnSpPr>
+            <a:cxnSpLocks/>
+            <a:stCxn id="55" idx="2"/>
+            <a:endCxn id="57" idx="0"/>
+          </p:cNvCxnSpPr>
+          <p:nvPr/>
+        </p:nvCxnSpPr>
+        <p:spPr>
+          <a:xfrm flipV="1">
+            <a:off x="25346729" y="11993278"/>
+            <a:ext cx="3155666" cy="2334455"/>
+          </a:xfrm>
+          <a:prstGeom prst="bentConnector4">
+            <a:avLst>
+              <a:gd name="adj1" fmla="val 10594"/>
+              <a:gd name="adj2" fmla="val 148366"/>
+            </a:avLst>
+          </a:prstGeom>
+          <a:ln w="76200">
+            <a:solidFill>
+              <a:schemeClr val="accent5">
+                <a:lumMod val="50000"/>
+              </a:schemeClr>
+            </a:solidFill>
+            <a:tailEnd type="triangle"/>
+          </a:ln>
+        </p:spPr>
+        <p:style>
+          <a:lnRef idx="1">
+            <a:schemeClr val="accent1"/>
+          </a:lnRef>
+          <a:fillRef idx="0">
+            <a:schemeClr val="accent1"/>
+          </a:fillRef>
+          <a:effectRef idx="0">
+            <a:schemeClr val="accent1"/>
+          </a:effectRef>
+          <a:fontRef idx="minor">
+            <a:schemeClr val="tx1"/>
+          </a:fontRef>
+        </p:style>
+      </p:cxnSp>
+      <p:sp>
+        <p:nvSpPr>
+          <p:cNvPr id="69" name="TextBox 68">
+            <a:extLst>
+              <a:ext uri="{FF2B5EF4-FFF2-40B4-BE49-F238E27FC236}">
+                <a16:creationId xmlns:a16="http://schemas.microsoft.com/office/drawing/2014/main" id="{C9DCEDD6-3E5F-027E-21B4-96355436D33A}"/>
+              </a:ext>
+            </a:extLst>
+          </p:cNvPr>
+          <p:cNvSpPr txBox="1"/>
+          <p:nvPr/>
+        </p:nvSpPr>
+        <p:spPr>
+          <a:xfrm>
+            <a:off x="27451480" y="2480341"/>
+            <a:ext cx="4657109" cy="707886"/>
+          </a:xfrm>
+          <a:prstGeom prst="rect">
+            <a:avLst/>
+          </a:prstGeom>
+          <a:noFill/>
+        </p:spPr>
+        <p:txBody>
+          <a:bodyPr wrap="none" rtlCol="0">
+            <a:spAutoFit/>
+          </a:bodyPr>
+          <a:lstStyle/>
+          <a:p>
+            <a:r>
+              <a:rPr lang="en-US" sz="4000" b="1" dirty="0"/>
+              <a:t>(Original alignments)</a:t>
+            </a:r>
+          </a:p>
+        </p:txBody>
+      </p:sp>
+      <p:sp>
+        <p:nvSpPr>
+          <p:cNvPr id="70" name="TextBox 69">
+            <a:extLst>
+              <a:ext uri="{FF2B5EF4-FFF2-40B4-BE49-F238E27FC236}">
+                <a16:creationId xmlns:a16="http://schemas.microsoft.com/office/drawing/2014/main" id="{72CE5674-52D8-2245-0B71-C873914E3098}"/>
+              </a:ext>
+            </a:extLst>
+          </p:cNvPr>
+          <p:cNvSpPr txBox="1"/>
+          <p:nvPr/>
+        </p:nvSpPr>
+        <p:spPr>
+          <a:xfrm>
+            <a:off x="21058404" y="19337538"/>
+            <a:ext cx="4976812" cy="707886"/>
+          </a:xfrm>
+          <a:prstGeom prst="rect">
+            <a:avLst/>
+          </a:prstGeom>
+          <a:noFill/>
+        </p:spPr>
+        <p:txBody>
+          <a:bodyPr wrap="none" rtlCol="0">
+            <a:spAutoFit/>
+          </a:bodyPr>
+          <a:lstStyle/>
+          <a:p>
+            <a:r>
+              <a:rPr lang="en-US" sz="4000" b="1" dirty="0"/>
+              <a:t>(Removed alignments)</a:t>
+            </a:r>
+          </a:p>
+        </p:txBody>
+      </p:sp>
+      <p:sp>
+        <p:nvSpPr>
+          <p:cNvPr id="71" name="TextBox 70">
+            <a:extLst>
+              <a:ext uri="{FF2B5EF4-FFF2-40B4-BE49-F238E27FC236}">
+                <a16:creationId xmlns:a16="http://schemas.microsoft.com/office/drawing/2014/main" id="{CA6D82C1-0EED-F9FE-EFA8-3A20F15679C3}"/>
+              </a:ext>
+            </a:extLst>
+          </p:cNvPr>
+          <p:cNvSpPr txBox="1"/>
+          <p:nvPr/>
+        </p:nvSpPr>
+        <p:spPr>
+          <a:xfrm>
+            <a:off x="29136692" y="19337538"/>
+            <a:ext cx="4693977" cy="707886"/>
+          </a:xfrm>
+          <a:prstGeom prst="rect">
+            <a:avLst/>
+          </a:prstGeom>
+          <a:noFill/>
+        </p:spPr>
+        <p:txBody>
+          <a:bodyPr wrap="none" rtlCol="0">
+            <a:spAutoFit/>
+          </a:bodyPr>
+          <a:lstStyle/>
+          <a:p>
+            <a:r>
+              <a:rPr lang="en-US" sz="4000" b="1" dirty="0"/>
+              <a:t>(Cleaned alignments)</a:t>
+            </a:r>
+          </a:p>
+        </p:txBody>
+      </p:sp>
+      <p:sp>
+        <p:nvSpPr>
+          <p:cNvPr id="72" name="Rectangle 71">
+            <a:extLst>
+              <a:ext uri="{FF2B5EF4-FFF2-40B4-BE49-F238E27FC236}">
+                <a16:creationId xmlns:a16="http://schemas.microsoft.com/office/drawing/2014/main" id="{6F1A1686-C956-B646-C009-4EB66669879F}"/>
+              </a:ext>
+            </a:extLst>
+          </p:cNvPr>
+          <p:cNvSpPr/>
+          <p:nvPr/>
+        </p:nvSpPr>
+        <p:spPr>
+          <a:xfrm>
+            <a:off x="18550165" y="4073938"/>
+            <a:ext cx="1186659" cy="12220432"/>
+          </a:xfrm>
+          <a:prstGeom prst="rect">
+            <a:avLst/>
+          </a:prstGeom>
+          <a:solidFill>
+            <a:schemeClr val="accent1">
+              <a:lumMod val="20000"/>
+              <a:lumOff val="80000"/>
+            </a:schemeClr>
+          </a:solidFill>
+          <a:ln w="76200">
+            <a:solidFill>
+              <a:schemeClr val="accent5"/>
+            </a:solidFill>
+          </a:ln>
+        </p:spPr>
+        <p:style>
+          <a:lnRef idx="2">
+            <a:schemeClr val="accent1">
+              <a:shade val="50000"/>
+            </a:schemeClr>
+          </a:lnRef>
+          <a:fillRef idx="1">
+            <a:schemeClr val="accent1"/>
+          </a:fillRef>
+          <a:effectRef idx="0">
+            <a:schemeClr val="accent1"/>
+          </a:effectRef>
+          <a:fontRef idx="minor">
+            <a:schemeClr val="lt1"/>
+          </a:fontRef>
+        </p:style>
+        <p:txBody>
+          <a:bodyPr vert="vert270" rtlCol="0" anchor="ctr"/>
+          <a:lstStyle/>
+          <a:p>
+            <a:pPr algn="ctr"/>
+            <a:r>
+              <a:rPr lang="en-US" sz="6600" b="1" dirty="0">
+                <a:solidFill>
+                  <a:schemeClr val="tx1"/>
+                </a:solidFill>
+              </a:rPr>
+              <a:t>Splam</a:t>
+            </a:r>
+          </a:p>
+        </p:txBody>
+      </p:sp>
+      <p:cxnSp>
+        <p:nvCxnSpPr>
+          <p:cNvPr id="73" name="Elbow Connector 72">
+            <a:extLst>
+              <a:ext uri="{FF2B5EF4-FFF2-40B4-BE49-F238E27FC236}">
+                <a16:creationId xmlns:a16="http://schemas.microsoft.com/office/drawing/2014/main" id="{16F494F5-E3C8-1E14-0F2E-2C2BEDA35B6E}"/>
+              </a:ext>
+            </a:extLst>
+          </p:cNvPr>
+          <p:cNvCxnSpPr>
+            <a:cxnSpLocks/>
+            <a:stCxn id="49" idx="2"/>
+            <a:endCxn id="57" idx="0"/>
+          </p:cNvCxnSpPr>
+          <p:nvPr/>
+        </p:nvCxnSpPr>
+        <p:spPr>
+          <a:xfrm>
+            <a:off x="24230298" y="5912975"/>
+            <a:ext cx="4272098" cy="6080300"/>
+          </a:xfrm>
+          <a:prstGeom prst="bentConnector2">
+            <a:avLst/>
+          </a:prstGeom>
+          <a:ln w="76200">
+            <a:solidFill>
+              <a:schemeClr val="accent5">
+                <a:lumMod val="50000"/>
+              </a:schemeClr>
+            </a:solidFill>
+            <a:tailEnd type="triangle"/>
+          </a:ln>
+        </p:spPr>
+        <p:style>
+          <a:lnRef idx="1">
+            <a:schemeClr val="accent1"/>
+          </a:lnRef>
+          <a:fillRef idx="0">
+            <a:schemeClr val="accent1"/>
+          </a:fillRef>
+          <a:effectRef idx="0">
+            <a:schemeClr val="accent1"/>
+          </a:effectRef>
+          <a:fontRef idx="minor">
+            <a:schemeClr val="tx1"/>
+          </a:fontRef>
+        </p:style>
+      </p:cxnSp>
+      <p:sp>
+        <p:nvSpPr>
+          <p:cNvPr id="74" name="TextBox 73">
+            <a:extLst>
+              <a:ext uri="{FF2B5EF4-FFF2-40B4-BE49-F238E27FC236}">
+                <a16:creationId xmlns:a16="http://schemas.microsoft.com/office/drawing/2014/main" id="{E675DF9F-B26B-CB8E-79DB-928BE625DD97}"/>
+              </a:ext>
+            </a:extLst>
+          </p:cNvPr>
+          <p:cNvSpPr txBox="1"/>
+          <p:nvPr/>
+        </p:nvSpPr>
+        <p:spPr>
+          <a:xfrm>
+            <a:off x="-32091" y="-310366"/>
+            <a:ext cx="944489" cy="1938992"/>
+          </a:xfrm>
+          <a:prstGeom prst="rect">
+            <a:avLst/>
+          </a:prstGeom>
+          <a:noFill/>
+        </p:spPr>
+        <p:txBody>
+          <a:bodyPr wrap="none" rtlCol="0">
+            <a:spAutoFit/>
+          </a:bodyPr>
+          <a:lstStyle/>
+          <a:p>
+            <a:r>
+              <a:rPr lang="en-US" sz="12000" b="1" dirty="0"/>
+              <a:t>a</a:t>
+            </a:r>
+          </a:p>
+        </p:txBody>
+      </p:sp>
+      <p:sp>
+        <p:nvSpPr>
+          <p:cNvPr id="75" name="TextBox 74">
+            <a:extLst>
+              <a:ext uri="{FF2B5EF4-FFF2-40B4-BE49-F238E27FC236}">
+                <a16:creationId xmlns:a16="http://schemas.microsoft.com/office/drawing/2014/main" id="{29F0F8EB-A89D-CC30-755B-C6DA0F65CA21}"/>
+              </a:ext>
+            </a:extLst>
+          </p:cNvPr>
+          <p:cNvSpPr txBox="1"/>
+          <p:nvPr/>
+        </p:nvSpPr>
+        <p:spPr>
+          <a:xfrm>
+            <a:off x="17516120" y="-310366"/>
+            <a:ext cx="1010213" cy="1938992"/>
+          </a:xfrm>
+          <a:prstGeom prst="rect">
+            <a:avLst/>
+          </a:prstGeom>
+          <a:noFill/>
+        </p:spPr>
+        <p:txBody>
+          <a:bodyPr wrap="none" rtlCol="0">
+            <a:spAutoFit/>
+          </a:bodyPr>
+          <a:lstStyle/>
+          <a:p>
+            <a:r>
+              <a:rPr lang="en-US" sz="12000" b="1" dirty="0"/>
               <a:t>b</a:t>
+            </a:r>
+          </a:p>
+        </p:txBody>
+      </p:sp>
+      <p:sp>
+        <p:nvSpPr>
+          <p:cNvPr id="76" name="Freeform 75">
+            <a:extLst>
+              <a:ext uri="{FF2B5EF4-FFF2-40B4-BE49-F238E27FC236}">
+                <a16:creationId xmlns:a16="http://schemas.microsoft.com/office/drawing/2014/main" id="{988ED58F-C748-C461-143C-10FB82622442}"/>
+              </a:ext>
+            </a:extLst>
+          </p:cNvPr>
+          <p:cNvSpPr/>
+          <p:nvPr/>
+        </p:nvSpPr>
+        <p:spPr>
+          <a:xfrm rot="10971891">
+            <a:off x="15979643" y="3971352"/>
+            <a:ext cx="2880202" cy="12320116"/>
+          </a:xfrm>
+          <a:custGeom>
+            <a:avLst/>
+            <a:gdLst>
+              <a:gd name="connsiteX0" fmla="*/ 443531 w 2072000"/>
+              <a:gd name="connsiteY0" fmla="*/ 8863017 h 8863017"/>
+              <a:gd name="connsiteX1" fmla="*/ 0 w 2072000"/>
+              <a:gd name="connsiteY1" fmla="*/ 0 h 8863017"/>
+              <a:gd name="connsiteX2" fmla="*/ 1853213 w 2072000"/>
+              <a:gd name="connsiteY2" fmla="*/ 0 h 8863017"/>
+              <a:gd name="connsiteX3" fmla="*/ 1856583 w 2072000"/>
+              <a:gd name="connsiteY3" fmla="*/ 1429 h 8863017"/>
+              <a:gd name="connsiteX4" fmla="*/ 2072000 w 2072000"/>
+              <a:gd name="connsiteY4" fmla="*/ 4306070 h 8863017"/>
+              <a:gd name="connsiteX5" fmla="*/ 443531 w 2072000"/>
+              <a:gd name="connsiteY5" fmla="*/ 8863017 h 8863017"/>
+            </a:gdLst>
+            <a:ahLst/>
+            <a:cxnLst>
+              <a:cxn ang="0">
+                <a:pos x="connsiteX0" y="connsiteY0"/>
+              </a:cxn>
+              <a:cxn ang="0">
+                <a:pos x="connsiteX1" y="connsiteY1"/>
+              </a:cxn>
+              <a:cxn ang="0">
+                <a:pos x="connsiteX2" y="connsiteY2"/>
+              </a:cxn>
+              <a:cxn ang="0">
+                <a:pos x="connsiteX3" y="connsiteY3"/>
+              </a:cxn>
+              <a:cxn ang="0">
+                <a:pos x="connsiteX4" y="connsiteY4"/>
+              </a:cxn>
+              <a:cxn ang="0">
+                <a:pos x="connsiteX5" y="connsiteY5"/>
+              </a:cxn>
+            </a:cxnLst>
+            <a:rect l="l" t="t" r="r" b="b"/>
+            <a:pathLst>
+              <a:path w="2072000" h="8863017">
+                <a:moveTo>
+                  <a:pt x="443531" y="8863017"/>
+                </a:moveTo>
+                <a:lnTo>
+                  <a:pt x="0" y="0"/>
+                </a:lnTo>
+                <a:lnTo>
+                  <a:pt x="1853213" y="0"/>
+                </a:lnTo>
+                <a:lnTo>
+                  <a:pt x="1856583" y="1429"/>
+                </a:lnTo>
+                <a:lnTo>
+                  <a:pt x="2072000" y="4306070"/>
+                </a:lnTo>
+                <a:lnTo>
+                  <a:pt x="443531" y="8863017"/>
+                </a:lnTo>
+                <a:close/>
+              </a:path>
+            </a:pathLst>
+          </a:custGeom>
+          <a:gradFill flip="none" rotWithShape="1">
+            <a:gsLst>
+              <a:gs pos="0">
+                <a:schemeClr val="bg1"/>
+              </a:gs>
+              <a:gs pos="100000">
+                <a:schemeClr val="accent5">
+                  <a:lumMod val="105000"/>
+                  <a:satMod val="109000"/>
+                  <a:tint val="81000"/>
+                </a:schemeClr>
+              </a:gs>
+            </a:gsLst>
+            <a:lin ang="10800000" scaled="1"/>
+            <a:tileRect/>
+          </a:gradFill>
+          <a:ln>
+            <a:noFill/>
+          </a:ln>
+        </p:spPr>
+        <p:style>
+          <a:lnRef idx="2">
+            <a:schemeClr val="accent1">
+              <a:shade val="15000"/>
+            </a:schemeClr>
+          </a:lnRef>
+          <a:fillRef idx="1">
+            <a:schemeClr val="accent1"/>
+          </a:fillRef>
+          <a:effectRef idx="0">
+            <a:schemeClr val="accent1"/>
+          </a:effectRef>
+          <a:fontRef idx="minor">
+            <a:schemeClr val="lt1"/>
+          </a:fontRef>
+        </p:style>
+        <p:txBody>
+          <a:bodyPr wrap="square" rtlCol="0" anchor="ctr">
+            <a:noAutofit/>
+          </a:bodyPr>
+          <a:lstStyle/>
+          <a:p>
+            <a:pPr algn="ctr"/>
+            <a:endParaRPr lang="en-US" sz="1350" dirty="0"/>
+          </a:p>
+        </p:txBody>
+      </p:sp>
+      <p:sp>
+        <p:nvSpPr>
+          <p:cNvPr id="79" name="Rounded Rectangle 78">
+            <a:extLst>
+              <a:ext uri="{FF2B5EF4-FFF2-40B4-BE49-F238E27FC236}">
+                <a16:creationId xmlns:a16="http://schemas.microsoft.com/office/drawing/2014/main" id="{7F3DF1C0-002C-53AA-8C3F-E156F0867142}"/>
+              </a:ext>
+            </a:extLst>
+          </p:cNvPr>
+          <p:cNvSpPr/>
+          <p:nvPr/>
+        </p:nvSpPr>
+        <p:spPr>
+          <a:xfrm rot="5400000">
+            <a:off x="22514099" y="6204752"/>
+            <a:ext cx="790488" cy="3354011"/>
+          </a:xfrm>
+          <a:prstGeom prst="roundRect">
+            <a:avLst/>
+          </a:prstGeom>
+          <a:solidFill>
+            <a:schemeClr val="accent5">
+              <a:lumMod val="40000"/>
+              <a:lumOff val="60000"/>
+            </a:schemeClr>
+          </a:solidFill>
+          <a:ln w="66675"/>
+        </p:spPr>
+        <p:style>
+          <a:lnRef idx="2">
+            <a:schemeClr val="accent1">
+              <a:shade val="50000"/>
+            </a:schemeClr>
+          </a:lnRef>
+          <a:fillRef idx="1">
+            <a:schemeClr val="accent1"/>
+          </a:fillRef>
+          <a:effectRef idx="0">
+            <a:schemeClr val="accent1"/>
+          </a:effectRef>
+          <a:fontRef idx="minor">
+            <a:schemeClr val="lt1"/>
+          </a:fontRef>
+        </p:style>
+        <p:txBody>
+          <a:bodyPr vert="vert270" rtlCol="0" anchor="ctr"/>
+          <a:lstStyle/>
+          <a:p>
+            <a:pPr algn="ctr"/>
+            <a:r>
+              <a:rPr lang="en-US" sz="3200" b="1" dirty="0">
+                <a:solidFill>
+                  <a:schemeClr val="tx1"/>
+                </a:solidFill>
+                <a:latin typeface="Courier New" panose="02070309020205020404" pitchFamily="49" charset="0"/>
+                <a:cs typeface="Courier New" panose="02070309020205020404" pitchFamily="49" charset="0"/>
+              </a:rPr>
+              <a:t>Splam extract</a:t>
+            </a:r>
+          </a:p>
+        </p:txBody>
+      </p:sp>
+      <p:cxnSp>
+        <p:nvCxnSpPr>
+          <p:cNvPr id="92" name="Straight Arrow Connector 91">
+            <a:extLst>
+              <a:ext uri="{FF2B5EF4-FFF2-40B4-BE49-F238E27FC236}">
+                <a16:creationId xmlns:a16="http://schemas.microsoft.com/office/drawing/2014/main" id="{230CB4D9-0840-F91D-134D-E6714E381FBB}"/>
+              </a:ext>
+            </a:extLst>
+          </p:cNvPr>
+          <p:cNvCxnSpPr>
+            <a:cxnSpLocks/>
+            <a:stCxn id="79" idx="3"/>
+            <a:endCxn id="65" idx="0"/>
+          </p:cNvCxnSpPr>
+          <p:nvPr/>
+        </p:nvCxnSpPr>
+        <p:spPr>
+          <a:xfrm>
+            <a:off x="22909343" y="8276999"/>
+            <a:ext cx="0" cy="913440"/>
+          </a:xfrm>
+          <a:prstGeom prst="straightConnector1">
+            <a:avLst/>
+          </a:prstGeom>
+          <a:ln w="76200">
+            <a:solidFill>
+              <a:schemeClr val="accent5">
+                <a:lumMod val="50000"/>
+              </a:schemeClr>
+            </a:solidFill>
+            <a:tailEnd type="triangle"/>
+          </a:ln>
+        </p:spPr>
+        <p:style>
+          <a:lnRef idx="1">
+            <a:schemeClr val="accent1"/>
+          </a:lnRef>
+          <a:fillRef idx="0">
+            <a:schemeClr val="accent1"/>
+          </a:fillRef>
+          <a:effectRef idx="0">
+            <a:schemeClr val="accent1"/>
+          </a:effectRef>
+          <a:fontRef idx="minor">
+            <a:schemeClr val="tx1"/>
+          </a:fontRef>
+        </p:style>
+      </p:cxnSp>
+      <p:sp>
+        <p:nvSpPr>
+          <p:cNvPr id="123" name="Rounded Rectangle 122">
+            <a:extLst>
+              <a:ext uri="{FF2B5EF4-FFF2-40B4-BE49-F238E27FC236}">
+                <a16:creationId xmlns:a16="http://schemas.microsoft.com/office/drawing/2014/main" id="{984E1C95-F6EA-01A7-2BEC-D861EB7A0C7C}"/>
+              </a:ext>
+            </a:extLst>
+          </p:cNvPr>
+          <p:cNvSpPr/>
+          <p:nvPr/>
+        </p:nvSpPr>
+        <p:spPr>
+          <a:xfrm rot="5400000">
+            <a:off x="28107153" y="9137319"/>
+            <a:ext cx="790489" cy="3354013"/>
+          </a:xfrm>
+          <a:prstGeom prst="roundRect">
+            <a:avLst/>
+          </a:prstGeom>
+          <a:solidFill>
+            <a:schemeClr val="accent5">
+              <a:lumMod val="40000"/>
+              <a:lumOff val="60000"/>
+            </a:schemeClr>
+          </a:solidFill>
+          <a:ln w="66675"/>
+        </p:spPr>
+        <p:style>
+          <a:lnRef idx="2">
+            <a:schemeClr val="accent1">
+              <a:shade val="50000"/>
+            </a:schemeClr>
+          </a:lnRef>
+          <a:fillRef idx="1">
+            <a:schemeClr val="accent1"/>
+          </a:fillRef>
+          <a:effectRef idx="0">
+            <a:schemeClr val="accent1"/>
+          </a:effectRef>
+          <a:fontRef idx="minor">
+            <a:schemeClr val="lt1"/>
+          </a:fontRef>
+        </p:style>
+        <p:txBody>
+          <a:bodyPr vert="vert270" rtlCol="0" anchor="ctr"/>
+          <a:lstStyle/>
+          <a:p>
+            <a:pPr algn="ctr"/>
+            <a:r>
+              <a:rPr lang="en-US" sz="3200" b="1" dirty="0">
+                <a:solidFill>
+                  <a:schemeClr val="tx1"/>
+                </a:solidFill>
+                <a:latin typeface="Courier New" panose="02070309020205020404" pitchFamily="49" charset="0"/>
+                <a:cs typeface="Courier New" panose="02070309020205020404" pitchFamily="49" charset="0"/>
+              </a:rPr>
+              <a:t>Splam clean</a:t>
             </a:r>
           </a:p>
         </p:txBody>
       </p:sp>
       <p:pic>
         <p:nvPicPr>
-          <p:cNvPr id="3" name="Picture 2" descr="A picture containing text, screenshot, line, diagram&#10;&#10;Description automatically generated">
+          <p:cNvPr id="4" name="Picture 3" descr="A graph of different colored lines&#10;&#10;Description automatically generated">
             <a:extLst>
               <a:ext uri="{FF2B5EF4-FFF2-40B4-BE49-F238E27FC236}">
-                <a16:creationId xmlns:a16="http://schemas.microsoft.com/office/drawing/2014/main" id="{9C54D280-778A-F1DB-73F9-884C280B812B}"/>
+                <a16:creationId xmlns:a16="http://schemas.microsoft.com/office/drawing/2014/main" id="{6E86D9F3-6CCE-6803-15EB-FD4E61E89025}"/>
               </a:ext>
             </a:extLst>
           </p:cNvPr>
@@ -3687,14 +5505,43 @@
           <p:nvPr/>
         </p:nvPicPr>
         <p:blipFill rotWithShape="1">
-          <a:blip r:embed="rId7"/>
-          <a:srcRect l="14226" t="2075" r="6271" b="88608"/>
+          <a:blip r:embed="rId8"/>
+          <a:srcRect l="22444" t="12633" r="19466" b="71717"/>
           <a:stretch/>
         </p:blipFill>
         <p:spPr>
           <a:xfrm>
-            <a:off x="7275107" y="9258956"/>
-            <a:ext cx="27520408" cy="3225048"/>
+            <a:off x="20472545" y="27999509"/>
+            <a:ext cx="11491102" cy="3095828"/>
+          </a:xfrm>
+          <a:prstGeom prst="rect">
+            <a:avLst/>
+          </a:prstGeom>
+        </p:spPr>
+      </p:pic>
+      <p:pic>
+        <p:nvPicPr>
+          <p:cNvPr id="6" name="Picture 5" descr="A graph with colorful lines and numbers&#10;&#10;Description automatically generated">
+            <a:extLst>
+              <a:ext uri="{FF2B5EF4-FFF2-40B4-BE49-F238E27FC236}">
+                <a16:creationId xmlns:a16="http://schemas.microsoft.com/office/drawing/2014/main" id="{EF873DAF-E83A-C8A7-053D-EEAD323FAF97}"/>
+              </a:ext>
+            </a:extLst>
+          </p:cNvPr>
+          <p:cNvPicPr>
+            <a:picLocks noChangeAspect="1"/>
+          </p:cNvPicPr>
+          <p:nvPr/>
+        </p:nvPicPr>
+        <p:blipFill rotWithShape="1">
+          <a:blip r:embed="rId9"/>
+          <a:srcRect l="24458" t="12897" r="22012" b="71893"/>
+          <a:stretch/>
+        </p:blipFill>
+        <p:spPr>
+          <a:xfrm>
+            <a:off x="3348476" y="28043091"/>
+            <a:ext cx="10589342" cy="3008671"/>
           </a:xfrm>
           <a:prstGeom prst="rect">
             <a:avLst/>
